--- a/project/Final_presentation.pptx
+++ b/project/Final_presentation.pptx
@@ -1757,6 +1757,53 @@
               </a:rPr>
               <a:t> </a:t>
             </a:r>
+          </a:p>
+          <a:p>
+            <a:pPr marL="0" marR="0" indent="0" algn="l" defTabSz="457200" rtl="0" eaLnBrk="1" fontAlgn="auto" latinLnBrk="0" hangingPunct="1">
+              <a:lnSpc>
+                <a:spcPct val="100000"/>
+              </a:lnSpc>
+              <a:spcBef>
+                <a:spcPts val="0"/>
+              </a:spcBef>
+              <a:spcAft>
+                <a:spcPts val="0"/>
+              </a:spcAft>
+              <a:buClrTx/>
+              <a:buSzTx/>
+              <a:buFontTx/>
+              <a:buNone/>
+              <a:tabLst/>
+              <a:defRPr/>
+            </a:pPr>
+            <a:endParaRPr lang="en-US" sz="1200" b="0" i="0" u="none" strike="noStrike" baseline="0" dirty="0" smtClean="0">
+              <a:latin typeface="Verdana"/>
+            </a:endParaRPr>
+          </a:p>
+          <a:p>
+            <a:pPr marL="0" marR="0" indent="0" algn="l" defTabSz="457200" rtl="0" eaLnBrk="1" fontAlgn="auto" latinLnBrk="0" hangingPunct="1">
+              <a:lnSpc>
+                <a:spcPct val="100000"/>
+              </a:lnSpc>
+              <a:spcBef>
+                <a:spcPts val="0"/>
+              </a:spcBef>
+              <a:spcAft>
+                <a:spcPts val="0"/>
+              </a:spcAft>
+              <a:buClrTx/>
+              <a:buSzTx/>
+              <a:buFontTx/>
+              <a:buNone/>
+              <a:tabLst/>
+              <a:defRPr/>
+            </a:pPr>
+            <a:r>
+              <a:rPr lang="en-US" sz="1200" b="0" i="0" u="none" strike="noStrike" baseline="0" dirty="0" smtClean="0">
+                <a:latin typeface="Verdana"/>
+              </a:rPr>
+              <a:t>Research has also shown that </a:t>
+            </a:r>
             <a:endParaRPr lang="en-US" sz="1200" b="0" i="1" u="none" strike="noStrike" dirty="0" smtClean="0">
               <a:latin typeface="Verdana"/>
             </a:endParaRPr>
@@ -1857,7 +1904,7 @@
             </a:r>
             <a:r>
               <a:rPr lang="lt-LT" baseline="0" dirty="0" smtClean="0"/>
-              <a:t> which shows that nucleotide, dinucleotide frequency patterns might be species specific which will be useful in exploring the evolutionary relationship between genes</a:t>
+              <a:t> which shows that nucleotide, dinucleotide frequency patterns might be species specific which we can use as signatures to calculate evolutionary dista</a:t>
             </a:r>
             <a:endParaRPr lang="lt-LT" dirty="0"/>
           </a:p>
@@ -1957,7 +2004,7 @@
           </a:p>
           <a:p>
             <a:r>
-              <a:rPr lang="lt-LT" baseline="0" smtClean="0"/>
+              <a:rPr lang="lt-LT" baseline="0" dirty="0" smtClean="0"/>
               <a:t>Constant evolutionary rate dictates that the same number of substitutions will have occurred in each sequence since the time of the last common ancestor.</a:t>
             </a:r>
             <a:endParaRPr lang="lt-LT" dirty="0"/>
@@ -5673,6 +5720,32 @@
           <a:chExt cx="0" cy="0"/>
         </a:xfrm>
       </p:grpSpPr>
+      <p:pic>
+        <p:nvPicPr>
+          <p:cNvPr id="5" name="Picture 4"/>
+          <p:cNvPicPr>
+            <a:picLocks noChangeAspect="1"/>
+          </p:cNvPicPr>
+          <p:nvPr/>
+        </p:nvPicPr>
+        <p:blipFill>
+          <a:blip r:embed="rId2">
+            <a:lum bright="70000" contrast="-70000"/>
+          </a:blip>
+          <a:stretch>
+            <a:fillRect/>
+          </a:stretch>
+        </p:blipFill>
+        <p:spPr>
+          <a:xfrm>
+            <a:off x="647700" y="200524"/>
+            <a:ext cx="7810500" cy="3308843"/>
+          </a:xfrm>
+          <a:prstGeom prst="rect">
+            <a:avLst/>
+          </a:prstGeom>
+        </p:spPr>
+      </p:pic>
       <p:sp>
         <p:nvSpPr>
           <p:cNvPr id="2" name="Title 1"/>
@@ -9513,13 +9586,13 @@
         <p:spPr/>
         <p:txBody>
           <a:bodyPr>
-            <a:normAutofit fontScale="90000"/>
+            <a:normAutofit/>
           </a:bodyPr>
           <a:lstStyle/>
           <a:p>
             <a:r>
               <a:rPr lang="lt-LT" dirty="0" smtClean="0"/>
-              <a:t>Evolutionary relationship based on dinucleotide frequencies</a:t>
+              <a:t>Evolutionary relationship</a:t>
             </a:r>
             <a:endParaRPr lang="lt-LT" dirty="0"/>
           </a:p>
@@ -9540,7 +9613,7 @@
         </p:blipFill>
         <p:spPr bwMode="auto">
           <a:xfrm>
-            <a:off x="1030110" y="1481315"/>
+            <a:off x="1839499" y="1143000"/>
             <a:ext cx="5573889" cy="1891594"/>
           </a:xfrm>
           <a:prstGeom prst="rect">
@@ -9550,34 +9623,142 @@
       </p:pic>
       <p:pic>
         <p:nvPicPr>
-          <p:cNvPr id="5" name="Picture 4" descr="Macintosh HD:Users:jovita:Desktop:Screen Shot 2018-05-31 at 16.15.38.png"/>
-          <p:cNvPicPr/>
+          <p:cNvPr id="6" name="Picture 5" descr="Screen Shot 2018-05-31 at 19.50.37.png"/>
+          <p:cNvPicPr>
+            <a:picLocks noChangeAspect="1"/>
+          </p:cNvPicPr>
           <p:nvPr/>
         </p:nvPicPr>
         <p:blipFill>
           <a:blip r:embed="rId4"/>
-          <a:srcRect/>
           <a:stretch>
             <a:fillRect/>
           </a:stretch>
         </p:blipFill>
-        <p:spPr bwMode="auto">
+        <p:spPr>
           <a:xfrm>
-            <a:off x="1030109" y="3993444"/>
-            <a:ext cx="6350001" cy="1721908"/>
+            <a:off x="1839499" y="3196176"/>
+            <a:ext cx="5798878" cy="1049033"/>
+          </a:xfrm>
+          <a:prstGeom prst="rect">
+            <a:avLst/>
+          </a:prstGeom>
+        </p:spPr>
+      </p:pic>
+      <p:sp>
+        <p:nvSpPr>
+          <p:cNvPr id="8" name="TextBox 7"/>
+          <p:cNvSpPr txBox="1"/>
+          <p:nvPr/>
+        </p:nvSpPr>
+        <p:spPr>
+          <a:xfrm>
+            <a:off x="2585701" y="4245209"/>
+            <a:ext cx="5110081" cy="323165"/>
           </a:xfrm>
           <a:prstGeom prst="rect">
             <a:avLst/>
           </a:prstGeom>
           <a:noFill/>
-          <a:ln w="9525">
-            <a:noFill/>
-            <a:miter lim="800000"/>
-            <a:headEnd/>
-            <a:tailEnd/>
-          </a:ln>
+        </p:spPr>
+        <p:txBody>
+          <a:bodyPr wrap="square" rtlCol="0">
+            <a:spAutoFit/>
+          </a:bodyPr>
+          <a:lstStyle/>
+          <a:p>
+            <a:r>
+              <a:rPr lang="lt-LT" sz="1500" dirty="0" smtClean="0"/>
+              <a:t>Tree based on 16S sequences</a:t>
+            </a:r>
+            <a:endParaRPr lang="lt-LT" sz="1500" dirty="0"/>
+          </a:p>
+        </p:txBody>
+      </p:sp>
+      <p:pic>
+        <p:nvPicPr>
+          <p:cNvPr id="9" name="Picture 8" descr="Screen Shot 2018-05-31 at 19.54.17.png"/>
+          <p:cNvPicPr>
+            <a:picLocks noChangeAspect="1"/>
+          </p:cNvPicPr>
+          <p:nvPr/>
+        </p:nvPicPr>
+        <p:blipFill>
+          <a:blip r:embed="rId5"/>
+          <a:stretch>
+            <a:fillRect/>
+          </a:stretch>
+        </p:blipFill>
+        <p:spPr>
+          <a:xfrm>
+            <a:off x="1839499" y="4568374"/>
+            <a:ext cx="6022545" cy="1309067"/>
+          </a:xfrm>
+          <a:prstGeom prst="rect">
+            <a:avLst/>
+          </a:prstGeom>
         </p:spPr>
       </p:pic>
+      <p:sp>
+        <p:nvSpPr>
+          <p:cNvPr id="10" name="TextBox 9"/>
+          <p:cNvSpPr txBox="1"/>
+          <p:nvPr/>
+        </p:nvSpPr>
+        <p:spPr>
+          <a:xfrm>
+            <a:off x="2585701" y="2873011"/>
+            <a:ext cx="4827687" cy="323165"/>
+          </a:xfrm>
+          <a:prstGeom prst="rect">
+            <a:avLst/>
+          </a:prstGeom>
+          <a:noFill/>
+        </p:spPr>
+        <p:txBody>
+          <a:bodyPr wrap="square" rtlCol="0">
+            <a:spAutoFit/>
+          </a:bodyPr>
+          <a:lstStyle/>
+          <a:p>
+            <a:r>
+              <a:rPr lang="lt-LT" sz="1500" dirty="0" smtClean="0"/>
+              <a:t>Tree based on dinucleotide frequencies </a:t>
+            </a:r>
+            <a:endParaRPr lang="lt-LT" sz="1500" dirty="0"/>
+          </a:p>
+        </p:txBody>
+      </p:sp>
+      <p:sp>
+        <p:nvSpPr>
+          <p:cNvPr id="11" name="TextBox 10"/>
+          <p:cNvSpPr txBox="1"/>
+          <p:nvPr/>
+        </p:nvSpPr>
+        <p:spPr>
+          <a:xfrm>
+            <a:off x="2585701" y="6030465"/>
+            <a:ext cx="3948524" cy="323165"/>
+          </a:xfrm>
+          <a:prstGeom prst="rect">
+            <a:avLst/>
+          </a:prstGeom>
+          <a:noFill/>
+        </p:spPr>
+        <p:txBody>
+          <a:bodyPr wrap="square" rtlCol="0">
+            <a:spAutoFit/>
+          </a:bodyPr>
+          <a:lstStyle/>
+          <a:p>
+            <a:r>
+              <a:rPr lang="lt-LT" sz="1500" smtClean="0"/>
+              <a:t>Consensus tree based on ten ortholog clusters</a:t>
+            </a:r>
+            <a:endParaRPr lang="lt-LT" sz="1500" dirty="0"/>
+          </a:p>
+        </p:txBody>
+      </p:sp>
     </p:spTree>
   </p:cSld>
   <p:clrMapOvr>
@@ -9689,8 +9870,8 @@
           <p:nvPr/>
         </p:nvGraphicFramePr>
         <p:xfrm>
-          <a:off x="1163214" y="2362167"/>
-          <a:ext cx="7003031" cy="2041674"/>
+          <a:off x="1163214" y="1353806"/>
+          <a:ext cx="7003031" cy="1702723"/>
         </p:xfrm>
         <a:graphic>
           <a:graphicData uri="http://schemas.openxmlformats.org/drawingml/2006/table">
@@ -9702,7 +9883,7 @@
                 <a:gridCol w="1444084"/>
                 <a:gridCol w="1444084"/>
               </a:tblGrid>
-              <a:tr h="340279">
+              <a:tr h="332938">
                 <a:tc>
                   <a:txBody>
                     <a:bodyPr/>
@@ -9916,7 +10097,7 @@
                   </a:tcPr>
                 </a:tc>
               </a:tr>
-              <a:tr h="340279">
+              <a:tr h="273957">
                 <a:tc>
                   <a:txBody>
                     <a:bodyPr/>
@@ -9924,7 +10105,7 @@
                     <a:p>
                       <a:pPr algn="ctr" fontAlgn="b"/>
                       <a:r>
-                        <a:rPr lang="en-US" sz="1000" b="0" i="1" u="none" strike="noStrike">
+                        <a:rPr lang="en-US" sz="1000" b="0" i="1" u="none" strike="noStrike" dirty="0">
                           <a:latin typeface="Verdana"/>
                         </a:rPr>
                         <a:t>Escherichia coli</a:t>
@@ -10130,7 +10311,7 @@
                   </a:tcPr>
                 </a:tc>
               </a:tr>
-              <a:tr h="340279">
+              <a:tr h="273957">
                 <a:tc>
                   <a:txBody>
                     <a:bodyPr/>
@@ -10359,7 +10540,7 @@
                   </a:tcPr>
                 </a:tc>
               </a:tr>
-              <a:tr h="340279">
+              <a:tr h="273957">
                 <a:tc>
                   <a:txBody>
                     <a:bodyPr/>
@@ -10367,11 +10548,26 @@
                     <a:p>
                       <a:pPr algn="ctr" fontAlgn="b"/>
                       <a:r>
-                        <a:rPr lang="en-US" sz="1000" b="0" i="1" u="none" strike="noStrike">
+                        <a:rPr lang="en-US" sz="1000" b="0" i="1" u="none" strike="noStrike" dirty="0" err="1">
                           <a:latin typeface="Verdana"/>
                         </a:rPr>
-                        <a:t>Saccharomyces cerevisiae</a:t>
+                        <a:t>Saccharomyces</a:t>
                       </a:r>
+                      <a:r>
+                        <a:rPr lang="en-US" sz="1000" b="0" i="1" u="none" strike="noStrike" dirty="0">
+                          <a:latin typeface="Verdana"/>
+                        </a:rPr>
+                        <a:t> </a:t>
+                      </a:r>
+                      <a:r>
+                        <a:rPr lang="en-US" sz="1000" b="0" i="1" u="none" strike="noStrike" dirty="0" err="1">
+                          <a:latin typeface="Verdana"/>
+                        </a:rPr>
+                        <a:t>cerevisiae</a:t>
+                      </a:r>
+                      <a:endParaRPr lang="en-US" sz="1000" b="0" i="1" u="none" strike="noStrike" dirty="0">
+                        <a:latin typeface="Verdana"/>
+                      </a:endParaRPr>
                     </a:p>
                   </a:txBody>
                   <a:tcPr marL="12700" marR="12700" marT="12700" marB="0" anchor="b">
@@ -10573,7 +10769,7 @@
                   </a:tcPr>
                 </a:tc>
               </a:tr>
-              <a:tr h="340279">
+              <a:tr h="273957">
                 <a:tc>
                   <a:txBody>
                     <a:bodyPr/>
@@ -10802,7 +10998,7 @@
                   </a:tcPr>
                 </a:tc>
               </a:tr>
-              <a:tr h="340279">
+              <a:tr h="273957">
                 <a:tc>
                   <a:txBody>
                     <a:bodyPr/>
@@ -10810,11 +11006,26 @@
                     <a:p>
                       <a:pPr algn="ctr" fontAlgn="b"/>
                       <a:r>
-                        <a:rPr lang="en-US" sz="1000" b="0" i="1" u="none" strike="noStrike">
+                        <a:rPr lang="en-US" sz="1000" b="0" i="1" u="none" strike="noStrike" dirty="0" err="1">
                           <a:latin typeface="Verdana"/>
                         </a:rPr>
-                        <a:t>Spiribacter curvatus</a:t>
+                        <a:t>Spiribacter</a:t>
                       </a:r>
+                      <a:r>
+                        <a:rPr lang="en-US" sz="1000" b="0" i="1" u="none" strike="noStrike" dirty="0">
+                          <a:latin typeface="Verdana"/>
+                        </a:rPr>
+                        <a:t> </a:t>
+                      </a:r>
+                      <a:r>
+                        <a:rPr lang="en-US" sz="1000" b="0" i="1" u="none" strike="noStrike" dirty="0" err="1">
+                          <a:latin typeface="Verdana"/>
+                        </a:rPr>
+                        <a:t>curvatus</a:t>
+                      </a:r>
+                      <a:endParaRPr lang="en-US" sz="1000" b="0" i="1" u="none" strike="noStrike" dirty="0">
+                        <a:latin typeface="Verdana"/>
+                      </a:endParaRPr>
                     </a:p>
                   </a:txBody>
                   <a:tcPr marL="12700" marR="12700" marT="12700" marB="0" anchor="b">
@@ -11020,6 +11231,367 @@
           </a:graphicData>
         </a:graphic>
       </p:graphicFrame>
+      <p:pic>
+        <p:nvPicPr>
+          <p:cNvPr id="6" name="Picture 5"/>
+          <p:cNvPicPr>
+            <a:picLocks noChangeAspect="1"/>
+          </p:cNvPicPr>
+          <p:nvPr/>
+        </p:nvPicPr>
+        <p:blipFill>
+          <a:blip r:embed="rId3"/>
+          <a:stretch>
+            <a:fillRect/>
+          </a:stretch>
+        </p:blipFill>
+        <p:spPr>
+          <a:xfrm>
+            <a:off x="121911" y="3684814"/>
+            <a:ext cx="2082606" cy="1416172"/>
+          </a:xfrm>
+          <a:prstGeom prst="rect">
+            <a:avLst/>
+          </a:prstGeom>
+        </p:spPr>
+      </p:pic>
+      <p:sp>
+        <p:nvSpPr>
+          <p:cNvPr id="7" name="TextBox 6"/>
+          <p:cNvSpPr txBox="1"/>
+          <p:nvPr/>
+        </p:nvSpPr>
+        <p:spPr>
+          <a:xfrm>
+            <a:off x="121911" y="5100987"/>
+            <a:ext cx="2082606" cy="323165"/>
+          </a:xfrm>
+          <a:prstGeom prst="rect">
+            <a:avLst/>
+          </a:prstGeom>
+          <a:noFill/>
+        </p:spPr>
+        <p:txBody>
+          <a:bodyPr wrap="square" rtlCol="0">
+            <a:spAutoFit/>
+          </a:bodyPr>
+          <a:lstStyle/>
+          <a:p>
+            <a:pPr algn="ctr"/>
+            <a:r>
+              <a:rPr lang="lt-LT" sz="1500" i="1" dirty="0" smtClean="0">
+                <a:latin typeface="Times New Roman"/>
+                <a:cs typeface="Times New Roman"/>
+              </a:rPr>
+              <a:t>Escherichia coli</a:t>
+            </a:r>
+            <a:endParaRPr lang="lt-LT" sz="1500" i="1" dirty="0">
+              <a:latin typeface="Times New Roman"/>
+              <a:cs typeface="Times New Roman"/>
+            </a:endParaRPr>
+          </a:p>
+        </p:txBody>
+      </p:sp>
+      <p:pic>
+        <p:nvPicPr>
+          <p:cNvPr id="8" name="Picture 7"/>
+          <p:cNvPicPr>
+            <a:picLocks noChangeAspect="1"/>
+          </p:cNvPicPr>
+          <p:nvPr/>
+        </p:nvPicPr>
+        <p:blipFill>
+          <a:blip r:embed="rId4"/>
+          <a:stretch>
+            <a:fillRect/>
+          </a:stretch>
+        </p:blipFill>
+        <p:spPr>
+          <a:xfrm>
+            <a:off x="2377654" y="3545673"/>
+            <a:ext cx="1171535" cy="1555314"/>
+          </a:xfrm>
+          <a:prstGeom prst="rect">
+            <a:avLst/>
+          </a:prstGeom>
+        </p:spPr>
+      </p:pic>
+      <p:sp>
+        <p:nvSpPr>
+          <p:cNvPr id="9" name="TextBox 8"/>
+          <p:cNvSpPr txBox="1"/>
+          <p:nvPr/>
+        </p:nvSpPr>
+        <p:spPr>
+          <a:xfrm>
+            <a:off x="2204517" y="5147153"/>
+            <a:ext cx="1344672" cy="830997"/>
+          </a:xfrm>
+          <a:prstGeom prst="rect">
+            <a:avLst/>
+          </a:prstGeom>
+          <a:noFill/>
+        </p:spPr>
+        <p:txBody>
+          <a:bodyPr wrap="square" rtlCol="0">
+            <a:spAutoFit/>
+          </a:bodyPr>
+          <a:lstStyle/>
+          <a:p>
+            <a:r>
+              <a:rPr lang="en-US" sz="1500" b="0" i="1" u="none" strike="noStrike" dirty="0" err="1" smtClean="0">
+                <a:latin typeface="Times New Roman"/>
+                <a:cs typeface="Times New Roman"/>
+              </a:rPr>
+              <a:t>Streptomyces</a:t>
+            </a:r>
+            <a:r>
+              <a:rPr lang="en-US" sz="1500" b="0" i="1" u="none" strike="noStrike" dirty="0" smtClean="0">
+                <a:latin typeface="Times New Roman"/>
+                <a:cs typeface="Times New Roman"/>
+              </a:rPr>
+              <a:t> </a:t>
+            </a:r>
+            <a:r>
+              <a:rPr lang="en-US" sz="1500" b="0" i="1" u="none" strike="noStrike" dirty="0" err="1" smtClean="0">
+                <a:latin typeface="Times New Roman"/>
+                <a:cs typeface="Times New Roman"/>
+              </a:rPr>
+              <a:t>coelicolor</a:t>
+            </a:r>
+            <a:endParaRPr lang="en-US" sz="1500" b="0" i="1" u="none" strike="noStrike" dirty="0" smtClean="0">
+              <a:latin typeface="Times New Roman"/>
+              <a:cs typeface="Times New Roman"/>
+            </a:endParaRPr>
+          </a:p>
+          <a:p>
+            <a:endParaRPr lang="lt-LT" dirty="0"/>
+          </a:p>
+        </p:txBody>
+      </p:sp>
+      <p:pic>
+        <p:nvPicPr>
+          <p:cNvPr id="10" name="Picture 9"/>
+          <p:cNvPicPr>
+            <a:picLocks noChangeAspect="1"/>
+          </p:cNvPicPr>
+          <p:nvPr/>
+        </p:nvPicPr>
+        <p:blipFill>
+          <a:blip r:embed="rId5"/>
+          <a:stretch>
+            <a:fillRect/>
+          </a:stretch>
+        </p:blipFill>
+        <p:spPr>
+          <a:xfrm>
+            <a:off x="3747103" y="4054146"/>
+            <a:ext cx="1692398" cy="1093007"/>
+          </a:xfrm>
+          <a:prstGeom prst="rect">
+            <a:avLst/>
+          </a:prstGeom>
+        </p:spPr>
+      </p:pic>
+      <p:sp>
+        <p:nvSpPr>
+          <p:cNvPr id="11" name="TextBox 10"/>
+          <p:cNvSpPr txBox="1"/>
+          <p:nvPr/>
+        </p:nvSpPr>
+        <p:spPr>
+          <a:xfrm>
+            <a:off x="3747103" y="5147153"/>
+            <a:ext cx="1848210" cy="553998"/>
+          </a:xfrm>
+          <a:prstGeom prst="rect">
+            <a:avLst/>
+          </a:prstGeom>
+          <a:noFill/>
+        </p:spPr>
+        <p:txBody>
+          <a:bodyPr wrap="square" rtlCol="0">
+            <a:spAutoFit/>
+          </a:bodyPr>
+          <a:lstStyle/>
+          <a:p>
+            <a:pPr algn="ctr" fontAlgn="b"/>
+            <a:r>
+              <a:rPr lang="en-US" sz="1500" b="0" i="1" u="none" strike="noStrike" dirty="0" err="1" smtClean="0">
+                <a:latin typeface="Times New Roman"/>
+                <a:cs typeface="Times New Roman"/>
+              </a:rPr>
+              <a:t>Saccharomyces</a:t>
+            </a:r>
+            <a:r>
+              <a:rPr lang="en-US" sz="1500" b="0" i="1" u="none" strike="noStrike" dirty="0" smtClean="0">
+                <a:latin typeface="Times New Roman"/>
+                <a:cs typeface="Times New Roman"/>
+              </a:rPr>
+              <a:t> </a:t>
+            </a:r>
+            <a:r>
+              <a:rPr lang="en-US" sz="1500" b="0" i="1" u="none" strike="noStrike" dirty="0" err="1" smtClean="0">
+                <a:latin typeface="Times New Roman"/>
+                <a:cs typeface="Times New Roman"/>
+              </a:rPr>
+              <a:t>cerevisiae</a:t>
+            </a:r>
+            <a:endParaRPr lang="en-US" sz="1500" b="0" i="1" u="none" strike="noStrike" dirty="0">
+              <a:latin typeface="Times New Roman"/>
+              <a:cs typeface="Times New Roman"/>
+            </a:endParaRPr>
+          </a:p>
+        </p:txBody>
+      </p:sp>
+      <p:pic>
+        <p:nvPicPr>
+          <p:cNvPr id="15" name="Picture 14"/>
+          <p:cNvPicPr>
+            <a:picLocks noChangeAspect="1"/>
+          </p:cNvPicPr>
+          <p:nvPr/>
+        </p:nvPicPr>
+        <p:blipFill>
+          <a:blip r:embed="rId6"/>
+          <a:stretch>
+            <a:fillRect/>
+          </a:stretch>
+        </p:blipFill>
+        <p:spPr>
+          <a:xfrm>
+            <a:off x="5735256" y="3769225"/>
+            <a:ext cx="1377928" cy="1377928"/>
+          </a:xfrm>
+          <a:prstGeom prst="rect">
+            <a:avLst/>
+          </a:prstGeom>
+        </p:spPr>
+      </p:pic>
+      <p:sp>
+        <p:nvSpPr>
+          <p:cNvPr id="16" name="Rectangle 15"/>
+          <p:cNvSpPr/>
+          <p:nvPr/>
+        </p:nvSpPr>
+        <p:spPr>
+          <a:xfrm>
+            <a:off x="5595313" y="5147153"/>
+            <a:ext cx="1597796" cy="553998"/>
+          </a:xfrm>
+          <a:prstGeom prst="rect">
+            <a:avLst/>
+          </a:prstGeom>
+        </p:spPr>
+        <p:txBody>
+          <a:bodyPr wrap="square">
+            <a:spAutoFit/>
+          </a:bodyPr>
+          <a:lstStyle/>
+          <a:p>
+            <a:pPr algn="ctr" fontAlgn="b"/>
+            <a:r>
+              <a:rPr lang="en-US" sz="1500" b="0" i="1" u="none" strike="noStrike" dirty="0" err="1" smtClean="0">
+                <a:latin typeface="Times New Roman"/>
+                <a:cs typeface="Times New Roman"/>
+              </a:rPr>
+              <a:t>Rubrobacter</a:t>
+            </a:r>
+            <a:r>
+              <a:rPr lang="en-US" sz="1500" b="0" i="1" u="none" strike="noStrike" dirty="0" smtClean="0">
+                <a:latin typeface="Times New Roman"/>
+                <a:cs typeface="Times New Roman"/>
+              </a:rPr>
+              <a:t> </a:t>
+            </a:r>
+            <a:r>
+              <a:rPr lang="en-US" sz="1500" b="0" i="1" u="none" strike="noStrike" dirty="0" err="1" smtClean="0">
+                <a:latin typeface="Times New Roman"/>
+                <a:cs typeface="Times New Roman"/>
+              </a:rPr>
+              <a:t>xylanophilus</a:t>
+            </a:r>
+            <a:endParaRPr lang="en-US" sz="1500" b="0" i="1" u="none" strike="noStrike" dirty="0">
+              <a:latin typeface="Times New Roman"/>
+              <a:cs typeface="Times New Roman"/>
+            </a:endParaRPr>
+          </a:p>
+        </p:txBody>
+      </p:sp>
+      <p:sp>
+        <p:nvSpPr>
+          <p:cNvPr id="17" name="Rectangle 16"/>
+          <p:cNvSpPr/>
+          <p:nvPr/>
+        </p:nvSpPr>
+        <p:spPr>
+          <a:xfrm>
+            <a:off x="7254080" y="5173442"/>
+            <a:ext cx="1432720" cy="553998"/>
+          </a:xfrm>
+          <a:prstGeom prst="rect">
+            <a:avLst/>
+          </a:prstGeom>
+        </p:spPr>
+        <p:txBody>
+          <a:bodyPr wrap="square">
+            <a:spAutoFit/>
+          </a:bodyPr>
+          <a:lstStyle/>
+          <a:p>
+            <a:pPr algn="ctr" fontAlgn="b"/>
+            <a:r>
+              <a:rPr lang="en-US" sz="1500" b="0" i="1" u="none" strike="noStrike" dirty="0" err="1" smtClean="0">
+                <a:latin typeface="Times New Roman"/>
+                <a:cs typeface="Times New Roman"/>
+              </a:rPr>
+              <a:t>Spiribacter</a:t>
+            </a:r>
+            <a:r>
+              <a:rPr lang="en-US" sz="1500" b="0" i="1" u="none" strike="noStrike" dirty="0" smtClean="0">
+                <a:latin typeface="Times New Roman"/>
+                <a:cs typeface="Times New Roman"/>
+              </a:rPr>
+              <a:t> </a:t>
+            </a:r>
+            <a:r>
+              <a:rPr lang="en-US" sz="1500" b="0" i="1" u="none" strike="noStrike" dirty="0" err="1" smtClean="0">
+                <a:latin typeface="Times New Roman"/>
+                <a:cs typeface="Times New Roman"/>
+              </a:rPr>
+              <a:t>curvatus</a:t>
+            </a:r>
+            <a:endParaRPr lang="en-US" sz="1500" b="0" i="1" u="none" strike="noStrike" dirty="0">
+              <a:latin typeface="Times New Roman"/>
+              <a:cs typeface="Times New Roman"/>
+            </a:endParaRPr>
+          </a:p>
+        </p:txBody>
+      </p:sp>
+      <p:pic>
+        <p:nvPicPr>
+          <p:cNvPr id="18" name="Picture 17" descr="Screen Shot 2018-05-31 at 20.41.41.png"/>
+          <p:cNvPicPr>
+            <a:picLocks noChangeAspect="1"/>
+          </p:cNvPicPr>
+          <p:nvPr/>
+        </p:nvPicPr>
+        <p:blipFill>
+          <a:blip r:embed="rId7"/>
+          <a:stretch>
+            <a:fillRect/>
+          </a:stretch>
+        </p:blipFill>
+        <p:spPr>
+          <a:xfrm>
+            <a:off x="7273047" y="4054146"/>
+            <a:ext cx="1470660" cy="1119296"/>
+          </a:xfrm>
+          <a:prstGeom prst="rect">
+            <a:avLst/>
+          </a:prstGeom>
+        </p:spPr>
+      </p:pic>
     </p:spTree>
   </p:cSld>
   <p:clrMapOvr>

--- a/project/Final_presentation.pptx
+++ b/project/Final_presentation.pptx
@@ -447,25 +447,25 @@
             </c:ext>
           </c:extLst>
         </c:ser>
-        <c:axId val="404861240"/>
-        <c:axId val="455717112"/>
+        <c:axId val="71392376"/>
+        <c:axId val="72089112"/>
       </c:barChart>
       <c:catAx>
-        <c:axId val="404861240"/>
+        <c:axId val="71392376"/>
         <c:scaling>
           <c:orientation val="minMax"/>
         </c:scaling>
         <c:axPos val="b"/>
         <c:numFmt formatCode="General" sourceLinked="0"/>
         <c:tickLblPos val="nextTo"/>
-        <c:crossAx val="455717112"/>
+        <c:crossAx val="72089112"/>
         <c:crosses val="autoZero"/>
         <c:auto val="1"/>
         <c:lblAlgn val="ctr"/>
         <c:lblOffset val="100"/>
       </c:catAx>
       <c:valAx>
-        <c:axId val="455717112"/>
+        <c:axId val="72089112"/>
         <c:scaling>
           <c:orientation val="minMax"/>
         </c:scaling>
@@ -473,7 +473,7 @@
         <c:majorGridlines/>
         <c:numFmt formatCode="General" sourceLinked="1"/>
         <c:tickLblPos val="nextTo"/>
-        <c:crossAx val="404861240"/>
+        <c:crossAx val="71392376"/>
         <c:crosses val="autoZero"/>
         <c:crossBetween val="between"/>
       </c:valAx>
@@ -1166,25 +1166,25 @@
             </c:ext>
           </c:extLst>
         </c:ser>
-        <c:axId val="359220952"/>
-        <c:axId val="466485096"/>
+        <c:axId val="464993704"/>
+        <c:axId val="71692536"/>
       </c:barChart>
       <c:catAx>
-        <c:axId val="359220952"/>
+        <c:axId val="464993704"/>
         <c:scaling>
           <c:orientation val="minMax"/>
         </c:scaling>
         <c:axPos val="b"/>
         <c:numFmt formatCode="General" sourceLinked="0"/>
         <c:tickLblPos val="nextTo"/>
-        <c:crossAx val="466485096"/>
+        <c:crossAx val="71692536"/>
         <c:crosses val="autoZero"/>
         <c:auto val="1"/>
         <c:lblAlgn val="ctr"/>
         <c:lblOffset val="100"/>
       </c:catAx>
       <c:valAx>
-        <c:axId val="466485096"/>
+        <c:axId val="71692536"/>
         <c:scaling>
           <c:orientation val="minMax"/>
         </c:scaling>
@@ -1192,7 +1192,7 @@
         <c:majorGridlines/>
         <c:numFmt formatCode="General" sourceLinked="1"/>
         <c:tickLblPos val="nextTo"/>
-        <c:crossAx val="359220952"/>
+        <c:crossAx val="464993704"/>
         <c:crosses val="autoZero"/>
         <c:crossBetween val="between"/>
       </c:valAx>
@@ -1290,6 +1290,7 @@
           <a:p>
             <a:fld id="{12166DA2-30FF-5B46-A764-D895EB715EE2}" type="datetimeFigureOut">
               <a:rPr lang="lt-LT" smtClean="0"/>
+              <a:pPr/>
               <a:t>31.05.2018</a:t>
             </a:fld>
             <a:endParaRPr lang="lt-LT"/>
@@ -1451,6 +1452,7 @@
           <a:p>
             <a:fld id="{55257EE6-BD08-E34E-A163-4392280EC671}" type="slidenum">
               <a:rPr lang="lt-LT" smtClean="0"/>
+              <a:pPr/>
               <a:t>‹#›</a:t>
             </a:fld>
             <a:endParaRPr lang="lt-LT"/>
@@ -1622,6 +1624,7 @@
           <a:p>
             <a:fld id="{55257EE6-BD08-E34E-A163-4392280EC671}" type="slidenum">
               <a:rPr lang="lt-LT" smtClean="0"/>
+              <a:pPr/>
               <a:t>3</a:t>
             </a:fld>
             <a:endParaRPr lang="lt-LT"/>
@@ -1830,6 +1833,7 @@
           <a:p>
             <a:fld id="{55257EE6-BD08-E34E-A163-4392280EC671}" type="slidenum">
               <a:rPr lang="lt-LT" smtClean="0"/>
+              <a:pPr/>
               <a:t>7</a:t>
             </a:fld>
             <a:endParaRPr lang="lt-LT"/>
@@ -1927,6 +1931,7 @@
           <a:p>
             <a:fld id="{55257EE6-BD08-E34E-A163-4392280EC671}" type="slidenum">
               <a:rPr lang="lt-LT" smtClean="0"/>
+              <a:pPr/>
               <a:t>9</a:t>
             </a:fld>
             <a:endParaRPr lang="lt-LT"/>
@@ -2028,6 +2033,7 @@
           <a:p>
             <a:fld id="{55257EE6-BD08-E34E-A163-4392280EC671}" type="slidenum">
               <a:rPr lang="lt-LT" smtClean="0"/>
+              <a:pPr/>
               <a:t>20</a:t>
             </a:fld>
             <a:endParaRPr lang="lt-LT"/>
@@ -2185,6 +2191,7 @@
           <a:p>
             <a:fld id="{20D3908A-F21A-6341-89F5-59DDD2C790C4}" type="datetimeFigureOut">
               <a:rPr lang="lt-LT" smtClean="0"/>
+              <a:pPr/>
               <a:t>31.05.2018</a:t>
             </a:fld>
             <a:endParaRPr lang="lt-LT"/>
@@ -2237,6 +2244,7 @@
           <a:p>
             <a:fld id="{4E6C9095-9E49-D241-BC93-91F1A98CA95C}" type="slidenum">
               <a:rPr lang="lt-LT" smtClean="0"/>
+              <a:pPr/>
               <a:t>‹#›</a:t>
             </a:fld>
             <a:endParaRPr lang="lt-LT"/>
@@ -2544,6 +2552,7 @@
           <a:p>
             <a:fld id="{20D3908A-F21A-6341-89F5-59DDD2C790C4}" type="datetimeFigureOut">
               <a:rPr lang="lt-LT" smtClean="0"/>
+              <a:pPr/>
               <a:t>31.05.2018</a:t>
             </a:fld>
             <a:endParaRPr lang="lt-LT"/>
@@ -2586,6 +2595,7 @@
           <a:p>
             <a:fld id="{4E6C9095-9E49-D241-BC93-91F1A98CA95C}" type="slidenum">
               <a:rPr lang="lt-LT" smtClean="0"/>
+              <a:pPr/>
               <a:t>‹#›</a:t>
             </a:fld>
             <a:endParaRPr lang="lt-LT"/>
@@ -2719,6 +2729,7 @@
           <a:p>
             <a:fld id="{20D3908A-F21A-6341-89F5-59DDD2C790C4}" type="datetimeFigureOut">
               <a:rPr lang="lt-LT" smtClean="0"/>
+              <a:pPr/>
               <a:t>31.05.2018</a:t>
             </a:fld>
             <a:endParaRPr lang="lt-LT"/>
@@ -2761,6 +2772,7 @@
           <a:p>
             <a:fld id="{4E6C9095-9E49-D241-BC93-91F1A98CA95C}" type="slidenum">
               <a:rPr lang="lt-LT" smtClean="0"/>
+              <a:pPr/>
               <a:t>‹#›</a:t>
             </a:fld>
             <a:endParaRPr lang="lt-LT"/>
@@ -2954,6 +2966,7 @@
           <a:p>
             <a:fld id="{20D3908A-F21A-6341-89F5-59DDD2C790C4}" type="datetimeFigureOut">
               <a:rPr lang="lt-LT" smtClean="0"/>
+              <a:pPr/>
               <a:t>31.05.2018</a:t>
             </a:fld>
             <a:endParaRPr lang="lt-LT"/>
@@ -2996,6 +3009,7 @@
           <a:p>
             <a:fld id="{4E6C9095-9E49-D241-BC93-91F1A98CA95C}" type="slidenum">
               <a:rPr lang="lt-LT" smtClean="0"/>
+              <a:pPr/>
               <a:t>‹#›</a:t>
             </a:fld>
             <a:endParaRPr lang="lt-LT"/>
@@ -3223,6 +3237,7 @@
           <a:p>
             <a:fld id="{20D3908A-F21A-6341-89F5-59DDD2C790C4}" type="datetimeFigureOut">
               <a:rPr lang="lt-LT" smtClean="0"/>
+              <a:pPr/>
               <a:t>31.05.2018</a:t>
             </a:fld>
             <a:endParaRPr lang="lt-LT"/>
@@ -3275,6 +3290,7 @@
           <a:p>
             <a:fld id="{4E6C9095-9E49-D241-BC93-91F1A98CA95C}" type="slidenum">
               <a:rPr lang="lt-LT" smtClean="0"/>
+              <a:pPr/>
               <a:t>‹#›</a:t>
             </a:fld>
             <a:endParaRPr lang="lt-LT"/>
@@ -3443,6 +3459,7 @@
           <a:p>
             <a:fld id="{20D3908A-F21A-6341-89F5-59DDD2C790C4}" type="datetimeFigureOut">
               <a:rPr lang="lt-LT" smtClean="0"/>
+              <a:pPr/>
               <a:t>31.05.2018</a:t>
             </a:fld>
             <a:endParaRPr lang="lt-LT"/>
@@ -3485,6 +3502,7 @@
           <a:p>
             <a:fld id="{4E6C9095-9E49-D241-BC93-91F1A98CA95C}" type="slidenum">
               <a:rPr lang="lt-LT" smtClean="0"/>
+              <a:pPr/>
               <a:t>‹#›</a:t>
             </a:fld>
             <a:endParaRPr lang="lt-LT"/>
@@ -3795,6 +3813,7 @@
           <a:p>
             <a:fld id="{20D3908A-F21A-6341-89F5-59DDD2C790C4}" type="datetimeFigureOut">
               <a:rPr lang="lt-LT" smtClean="0"/>
+              <a:pPr/>
               <a:t>31.05.2018</a:t>
             </a:fld>
             <a:endParaRPr lang="lt-LT"/>
@@ -3837,6 +3856,7 @@
           <a:p>
             <a:fld id="{4E6C9095-9E49-D241-BC93-91F1A98CA95C}" type="slidenum">
               <a:rPr lang="lt-LT" smtClean="0"/>
+              <a:pPr/>
               <a:t>‹#›</a:t>
             </a:fld>
             <a:endParaRPr lang="lt-LT"/>
@@ -4027,6 +4047,7 @@
           <a:p>
             <a:fld id="{20D3908A-F21A-6341-89F5-59DDD2C790C4}" type="datetimeFigureOut">
               <a:rPr lang="lt-LT" smtClean="0"/>
+              <a:pPr/>
               <a:t>31.05.2018</a:t>
             </a:fld>
             <a:endParaRPr lang="lt-LT"/>
@@ -4069,6 +4090,7 @@
           <a:p>
             <a:fld id="{4E6C9095-9E49-D241-BC93-91F1A98CA95C}" type="slidenum">
               <a:rPr lang="lt-LT" smtClean="0"/>
+              <a:pPr/>
               <a:t>‹#›</a:t>
             </a:fld>
             <a:endParaRPr lang="lt-LT"/>
@@ -4167,6 +4189,7 @@
           <a:p>
             <a:fld id="{20D3908A-F21A-6341-89F5-59DDD2C790C4}" type="datetimeFigureOut">
               <a:rPr lang="lt-LT" smtClean="0"/>
+              <a:pPr/>
               <a:t>31.05.2018</a:t>
             </a:fld>
             <a:endParaRPr lang="lt-LT"/>
@@ -4209,6 +4232,7 @@
           <a:p>
             <a:fld id="{4E6C9095-9E49-D241-BC93-91F1A98CA95C}" type="slidenum">
               <a:rPr lang="lt-LT" smtClean="0"/>
+              <a:pPr/>
               <a:t>‹#›</a:t>
             </a:fld>
             <a:endParaRPr lang="lt-LT"/>
@@ -4444,6 +4468,7 @@
           <a:p>
             <a:fld id="{20D3908A-F21A-6341-89F5-59DDD2C790C4}" type="datetimeFigureOut">
               <a:rPr lang="lt-LT" smtClean="0"/>
+              <a:pPr/>
               <a:t>31.05.2018</a:t>
             </a:fld>
             <a:endParaRPr lang="lt-LT"/>
@@ -4486,6 +4511,7 @@
           <a:p>
             <a:fld id="{4E6C9095-9E49-D241-BC93-91F1A98CA95C}" type="slidenum">
               <a:rPr lang="lt-LT" smtClean="0"/>
+              <a:pPr/>
               <a:t>‹#›</a:t>
             </a:fld>
             <a:endParaRPr lang="lt-LT"/>
@@ -4851,6 +4877,7 @@
           <a:p>
             <a:fld id="{20D3908A-F21A-6341-89F5-59DDD2C790C4}" type="datetimeFigureOut">
               <a:rPr lang="lt-LT" smtClean="0"/>
+              <a:pPr/>
               <a:t>31.05.2018</a:t>
             </a:fld>
             <a:endParaRPr lang="lt-LT"/>
@@ -4893,6 +4920,7 @@
           <a:p>
             <a:fld id="{4E6C9095-9E49-D241-BC93-91F1A98CA95C}" type="slidenum">
               <a:rPr lang="lt-LT" smtClean="0"/>
+              <a:pPr/>
               <a:t>‹#›</a:t>
             </a:fld>
             <a:endParaRPr lang="lt-LT"/>
@@ -5189,6 +5217,7 @@
           <a:p>
             <a:fld id="{20D3908A-F21A-6341-89F5-59DDD2C790C4}" type="datetimeFigureOut">
               <a:rPr lang="lt-LT" smtClean="0"/>
+              <a:pPr/>
               <a:t>31.05.2018</a:t>
             </a:fld>
             <a:endParaRPr lang="lt-LT"/>
@@ -5263,6 +5292,7 @@
           <a:p>
             <a:fld id="{4E6C9095-9E49-D241-BC93-91F1A98CA95C}" type="slidenum">
               <a:rPr lang="lt-LT" smtClean="0"/>
+              <a:pPr/>
               <a:t>‹#›</a:t>
             </a:fld>
             <a:endParaRPr lang="lt-LT"/>
@@ -5965,7 +5995,7 @@
           <p:cNvPr id="2" name="Title 1">
             <a:extLst>
               <a:ext uri="{FF2B5EF4-FFF2-40B4-BE49-F238E27FC236}">
-                <a16:creationId xmlns:a16="http://schemas.microsoft.com/office/drawing/2014/main" xmlns:p="http://schemas.openxmlformats.org/presentationml/2006/main" xmlns:r="http://schemas.openxmlformats.org/officeDocument/2006/relationships" xmlns:a="http://schemas.openxmlformats.org/drawingml/2006/main" xmlns="" id="{8FBED104-4CC2-CA47-B6FE-94510383C181}"/>
+                <a16:creationId xmlns="" xmlns:a="http://schemas.openxmlformats.org/drawingml/2006/main" xmlns:r="http://schemas.openxmlformats.org/officeDocument/2006/relationships" xmlns:p="http://schemas.openxmlformats.org/presentationml/2006/main" xmlns:a16="http://schemas.microsoft.com/office/drawing/2014/main" xmlns:mv="urn:schemas-microsoft-com:mac:vml" xmlns:mc="http://schemas.openxmlformats.org/markup-compatibility/2006" id="{8FBED104-4CC2-CA47-B6FE-94510383C181}"/>
               </a:ext>
             </a:extLst>
           </p:cNvPr>
@@ -5993,7 +6023,7 @@
           <p:cNvPr id="3" name="Content Placeholder 2">
             <a:extLst>
               <a:ext uri="{FF2B5EF4-FFF2-40B4-BE49-F238E27FC236}">
-                <a16:creationId xmlns:a16="http://schemas.microsoft.com/office/drawing/2014/main" xmlns:p="http://schemas.openxmlformats.org/presentationml/2006/main" xmlns:r="http://schemas.openxmlformats.org/officeDocument/2006/relationships" xmlns:a="http://schemas.openxmlformats.org/drawingml/2006/main" xmlns="" id="{6A97C1BA-E89D-4A43-8897-C14D598E4B25}"/>
+                <a16:creationId xmlns="" xmlns:a="http://schemas.openxmlformats.org/drawingml/2006/main" xmlns:r="http://schemas.openxmlformats.org/officeDocument/2006/relationships" xmlns:p="http://schemas.openxmlformats.org/presentationml/2006/main" xmlns:a16="http://schemas.microsoft.com/office/drawing/2014/main" xmlns:mv="urn:schemas-microsoft-com:mac:vml" xmlns:mc="http://schemas.openxmlformats.org/markup-compatibility/2006" id="{6A97C1BA-E89D-4A43-8897-C14D598E4B25}"/>
               </a:ext>
             </a:extLst>
           </p:cNvPr>
@@ -6081,7 +6111,7 @@
     </p:spTree>
     <p:extLst>
       <p:ext uri="{BB962C8B-B14F-4D97-AF65-F5344CB8AC3E}">
-        <p14:creationId xmlns:p14="http://schemas.microsoft.com/office/powerpoint/2010/main" xmlns:p="http://schemas.openxmlformats.org/presentationml/2006/main" xmlns:r="http://schemas.openxmlformats.org/officeDocument/2006/relationships" xmlns:a="http://schemas.openxmlformats.org/drawingml/2006/main" xmlns="" val="3123129579"/>
+        <p14:creationId xmlns="" xmlns:a="http://schemas.openxmlformats.org/drawingml/2006/main" xmlns:r="http://schemas.openxmlformats.org/officeDocument/2006/relationships" xmlns:p="http://schemas.openxmlformats.org/presentationml/2006/main" xmlns:p14="http://schemas.microsoft.com/office/powerpoint/2010/main" xmlns:mv="urn:schemas-microsoft-com:mac:vml" xmlns:mc="http://schemas.openxmlformats.org/markup-compatibility/2006" val="3123129579"/>
       </p:ext>
     </p:extLst>
   </p:cSld>
@@ -6113,7 +6143,7 @@
           <p:cNvPr id="2" name="Title 1">
             <a:extLst>
               <a:ext uri="{FF2B5EF4-FFF2-40B4-BE49-F238E27FC236}">
-                <a16:creationId xmlns:a16="http://schemas.microsoft.com/office/drawing/2014/main" xmlns:p="http://schemas.openxmlformats.org/presentationml/2006/main" xmlns:r="http://schemas.openxmlformats.org/officeDocument/2006/relationships" xmlns:a="http://schemas.openxmlformats.org/drawingml/2006/main" xmlns="" id="{618859D5-C25D-544B-A272-6555E38A634F}"/>
+                <a16:creationId xmlns="" xmlns:a="http://schemas.openxmlformats.org/drawingml/2006/main" xmlns:r="http://schemas.openxmlformats.org/officeDocument/2006/relationships" xmlns:p="http://schemas.openxmlformats.org/presentationml/2006/main" xmlns:a16="http://schemas.microsoft.com/office/drawing/2014/main" xmlns:mv="urn:schemas-microsoft-com:mac:vml" xmlns:mc="http://schemas.openxmlformats.org/markup-compatibility/2006" id="{618859D5-C25D-544B-A272-6555E38A634F}"/>
               </a:ext>
             </a:extLst>
           </p:cNvPr>
@@ -6143,7 +6173,7 @@
           <p:cNvPr id="3" name="Content Placeholder 2">
             <a:extLst>
               <a:ext uri="{FF2B5EF4-FFF2-40B4-BE49-F238E27FC236}">
-                <a16:creationId xmlns:a16="http://schemas.microsoft.com/office/drawing/2014/main" xmlns:p="http://schemas.openxmlformats.org/presentationml/2006/main" xmlns:r="http://schemas.openxmlformats.org/officeDocument/2006/relationships" xmlns:a="http://schemas.openxmlformats.org/drawingml/2006/main" xmlns="" id="{46697E59-AA2B-1944-93CC-3B2AA5C430BC}"/>
+                <a16:creationId xmlns="" xmlns:a="http://schemas.openxmlformats.org/drawingml/2006/main" xmlns:r="http://schemas.openxmlformats.org/officeDocument/2006/relationships" xmlns:p="http://schemas.openxmlformats.org/presentationml/2006/main" xmlns:a16="http://schemas.microsoft.com/office/drawing/2014/main" xmlns:mv="urn:schemas-microsoft-com:mac:vml" xmlns:mc="http://schemas.openxmlformats.org/markup-compatibility/2006" id="{46697E59-AA2B-1944-93CC-3B2AA5C430BC}"/>
               </a:ext>
             </a:extLst>
           </p:cNvPr>
@@ -6207,7 +6237,7 @@
           <p:cNvPr id="5" name="Picture 4">
             <a:extLst>
               <a:ext uri="{FF2B5EF4-FFF2-40B4-BE49-F238E27FC236}">
-                <a16:creationId xmlns:a16="http://schemas.microsoft.com/office/drawing/2014/main" xmlns:p="http://schemas.openxmlformats.org/presentationml/2006/main" xmlns:r="http://schemas.openxmlformats.org/officeDocument/2006/relationships" xmlns:a="http://schemas.openxmlformats.org/drawingml/2006/main" xmlns="" id="{B744DE17-718C-3D49-8EE6-F56C8F31C169}"/>
+                <a16:creationId xmlns="" xmlns:a="http://schemas.openxmlformats.org/drawingml/2006/main" xmlns:r="http://schemas.openxmlformats.org/officeDocument/2006/relationships" xmlns:p="http://schemas.openxmlformats.org/presentationml/2006/main" xmlns:a16="http://schemas.microsoft.com/office/drawing/2014/main" xmlns:mv="urn:schemas-microsoft-com:mac:vml" xmlns:mc="http://schemas.openxmlformats.org/markup-compatibility/2006" id="{B744DE17-718C-3D49-8EE6-F56C8F31C169}"/>
               </a:ext>
             </a:extLst>
           </p:cNvPr>
@@ -6237,7 +6267,7 @@
           <p:cNvPr id="6" name="TextBox 5">
             <a:extLst>
               <a:ext uri="{FF2B5EF4-FFF2-40B4-BE49-F238E27FC236}">
-                <a16:creationId xmlns:a16="http://schemas.microsoft.com/office/drawing/2014/main" xmlns:p="http://schemas.openxmlformats.org/presentationml/2006/main" xmlns:r="http://schemas.openxmlformats.org/officeDocument/2006/relationships" xmlns:a="http://schemas.openxmlformats.org/drawingml/2006/main" xmlns="" id="{34BE6942-40F3-E144-9AF1-7839D288BB3C}"/>
+                <a16:creationId xmlns="" xmlns:a="http://schemas.openxmlformats.org/drawingml/2006/main" xmlns:r="http://schemas.openxmlformats.org/officeDocument/2006/relationships" xmlns:p="http://schemas.openxmlformats.org/presentationml/2006/main" xmlns:a16="http://schemas.microsoft.com/office/drawing/2014/main" xmlns:mv="urn:schemas-microsoft-com:mac:vml" xmlns:mc="http://schemas.openxmlformats.org/markup-compatibility/2006" id="{34BE6942-40F3-E144-9AF1-7839D288BB3C}"/>
               </a:ext>
             </a:extLst>
           </p:cNvPr>
@@ -6278,7 +6308,7 @@
     </p:spTree>
     <p:extLst>
       <p:ext uri="{BB962C8B-B14F-4D97-AF65-F5344CB8AC3E}">
-        <p14:creationId xmlns:p14="http://schemas.microsoft.com/office/powerpoint/2010/main" xmlns:p="http://schemas.openxmlformats.org/presentationml/2006/main" xmlns:r="http://schemas.openxmlformats.org/officeDocument/2006/relationships" xmlns:a="http://schemas.openxmlformats.org/drawingml/2006/main" xmlns="" val="4245387416"/>
+        <p14:creationId xmlns="" xmlns:a="http://schemas.openxmlformats.org/drawingml/2006/main" xmlns:r="http://schemas.openxmlformats.org/officeDocument/2006/relationships" xmlns:p="http://schemas.openxmlformats.org/presentationml/2006/main" xmlns:p14="http://schemas.microsoft.com/office/powerpoint/2010/main" xmlns:mv="urn:schemas-microsoft-com:mac:vml" xmlns:mc="http://schemas.openxmlformats.org/markup-compatibility/2006" val="4245387416"/>
       </p:ext>
     </p:extLst>
   </p:cSld>
@@ -6310,7 +6340,7 @@
           <p:cNvPr id="2" name="Title 1">
             <a:extLst>
               <a:ext uri="{FF2B5EF4-FFF2-40B4-BE49-F238E27FC236}">
-                <a16:creationId xmlns:a16="http://schemas.microsoft.com/office/drawing/2014/main" xmlns:p="http://schemas.openxmlformats.org/presentationml/2006/main" xmlns:r="http://schemas.openxmlformats.org/officeDocument/2006/relationships" xmlns:a="http://schemas.openxmlformats.org/drawingml/2006/main" xmlns="" id="{618859D5-C25D-544B-A272-6555E38A634F}"/>
+                <a16:creationId xmlns="" xmlns:a="http://schemas.openxmlformats.org/drawingml/2006/main" xmlns:r="http://schemas.openxmlformats.org/officeDocument/2006/relationships" xmlns:p="http://schemas.openxmlformats.org/presentationml/2006/main" xmlns:a16="http://schemas.microsoft.com/office/drawing/2014/main" xmlns:mv="urn:schemas-microsoft-com:mac:vml" xmlns:mc="http://schemas.openxmlformats.org/markup-compatibility/2006" id="{618859D5-C25D-544B-A272-6555E38A634F}"/>
               </a:ext>
             </a:extLst>
           </p:cNvPr>
@@ -6340,7 +6370,7 @@
           <p:cNvPr id="3" name="Content Placeholder 2">
             <a:extLst>
               <a:ext uri="{FF2B5EF4-FFF2-40B4-BE49-F238E27FC236}">
-                <a16:creationId xmlns:a16="http://schemas.microsoft.com/office/drawing/2014/main" xmlns:p="http://schemas.openxmlformats.org/presentationml/2006/main" xmlns:r="http://schemas.openxmlformats.org/officeDocument/2006/relationships" xmlns:a="http://schemas.openxmlformats.org/drawingml/2006/main" xmlns="" id="{46697E59-AA2B-1944-93CC-3B2AA5C430BC}"/>
+                <a16:creationId xmlns="" xmlns:a="http://schemas.openxmlformats.org/drawingml/2006/main" xmlns:r="http://schemas.openxmlformats.org/officeDocument/2006/relationships" xmlns:p="http://schemas.openxmlformats.org/presentationml/2006/main" xmlns:a16="http://schemas.microsoft.com/office/drawing/2014/main" xmlns:mv="urn:schemas-microsoft-com:mac:vml" xmlns:mc="http://schemas.openxmlformats.org/markup-compatibility/2006" id="{46697E59-AA2B-1944-93CC-3B2AA5C430BC}"/>
               </a:ext>
             </a:extLst>
           </p:cNvPr>
@@ -6386,7 +6416,7 @@
           <p:cNvPr id="6" name="TextBox 5">
             <a:extLst>
               <a:ext uri="{FF2B5EF4-FFF2-40B4-BE49-F238E27FC236}">
-                <a16:creationId xmlns:a16="http://schemas.microsoft.com/office/drawing/2014/main" xmlns:p="http://schemas.openxmlformats.org/presentationml/2006/main" xmlns:r="http://schemas.openxmlformats.org/officeDocument/2006/relationships" xmlns:a="http://schemas.openxmlformats.org/drawingml/2006/main" xmlns="" id="{34BE6942-40F3-E144-9AF1-7839D288BB3C}"/>
+                <a16:creationId xmlns="" xmlns:a="http://schemas.openxmlformats.org/drawingml/2006/main" xmlns:r="http://schemas.openxmlformats.org/officeDocument/2006/relationships" xmlns:p="http://schemas.openxmlformats.org/presentationml/2006/main" xmlns:a16="http://schemas.microsoft.com/office/drawing/2014/main" xmlns:mv="urn:schemas-microsoft-com:mac:vml" xmlns:mc="http://schemas.openxmlformats.org/markup-compatibility/2006" id="{34BE6942-40F3-E144-9AF1-7839D288BB3C}"/>
               </a:ext>
             </a:extLst>
           </p:cNvPr>
@@ -6429,7 +6459,7 @@
           <p:cNvPr id="11" name="Picture 10">
             <a:extLst>
               <a:ext uri="{FF2B5EF4-FFF2-40B4-BE49-F238E27FC236}">
-                <a16:creationId xmlns:a16="http://schemas.microsoft.com/office/drawing/2014/main" xmlns:p="http://schemas.openxmlformats.org/presentationml/2006/main" xmlns:r="http://schemas.openxmlformats.org/officeDocument/2006/relationships" xmlns:a="http://schemas.openxmlformats.org/drawingml/2006/main" xmlns="" id="{0B777B35-61DF-D145-9A7A-586C94B85BE8}"/>
+                <a16:creationId xmlns="" xmlns:a="http://schemas.openxmlformats.org/drawingml/2006/main" xmlns:r="http://schemas.openxmlformats.org/officeDocument/2006/relationships" xmlns:p="http://schemas.openxmlformats.org/presentationml/2006/main" xmlns:a16="http://schemas.microsoft.com/office/drawing/2014/main" xmlns:mv="urn:schemas-microsoft-com:mac:vml" xmlns:mc="http://schemas.openxmlformats.org/markup-compatibility/2006" id="{0B777B35-61DF-D145-9A7A-586C94B85BE8}"/>
               </a:ext>
             </a:extLst>
           </p:cNvPr>
@@ -6459,7 +6489,7 @@
           <p:cNvPr id="13" name="Picture 12">
             <a:extLst>
               <a:ext uri="{FF2B5EF4-FFF2-40B4-BE49-F238E27FC236}">
-                <a16:creationId xmlns:a16="http://schemas.microsoft.com/office/drawing/2014/main" xmlns:p="http://schemas.openxmlformats.org/presentationml/2006/main" xmlns:r="http://schemas.openxmlformats.org/officeDocument/2006/relationships" xmlns:a="http://schemas.openxmlformats.org/drawingml/2006/main" xmlns="" id="{F1469EF6-8768-D640-BB8B-D318CE31B5E1}"/>
+                <a16:creationId xmlns="" xmlns:a="http://schemas.openxmlformats.org/drawingml/2006/main" xmlns:r="http://schemas.openxmlformats.org/officeDocument/2006/relationships" xmlns:p="http://schemas.openxmlformats.org/presentationml/2006/main" xmlns:a16="http://schemas.microsoft.com/office/drawing/2014/main" xmlns:mv="urn:schemas-microsoft-com:mac:vml" xmlns:mc="http://schemas.openxmlformats.org/markup-compatibility/2006" id="{F1469EF6-8768-D640-BB8B-D318CE31B5E1}"/>
               </a:ext>
             </a:extLst>
           </p:cNvPr>
@@ -6487,7 +6517,7 @@
     </p:spTree>
     <p:extLst>
       <p:ext uri="{BB962C8B-B14F-4D97-AF65-F5344CB8AC3E}">
-        <p14:creationId xmlns:p14="http://schemas.microsoft.com/office/powerpoint/2010/main" xmlns:p="http://schemas.openxmlformats.org/presentationml/2006/main" xmlns:r="http://schemas.openxmlformats.org/officeDocument/2006/relationships" xmlns:a="http://schemas.openxmlformats.org/drawingml/2006/main" xmlns="" val="3237288246"/>
+        <p14:creationId xmlns="" xmlns:a="http://schemas.openxmlformats.org/drawingml/2006/main" xmlns:r="http://schemas.openxmlformats.org/officeDocument/2006/relationships" xmlns:p="http://schemas.openxmlformats.org/presentationml/2006/main" xmlns:p14="http://schemas.microsoft.com/office/powerpoint/2010/main" xmlns:mv="urn:schemas-microsoft-com:mac:vml" xmlns:mc="http://schemas.openxmlformats.org/markup-compatibility/2006" val="3237288246"/>
       </p:ext>
     </p:extLst>
   </p:cSld>
@@ -6519,7 +6549,7 @@
           <p:cNvPr id="2" name="Title 1">
             <a:extLst>
               <a:ext uri="{FF2B5EF4-FFF2-40B4-BE49-F238E27FC236}">
-                <a16:creationId xmlns:a16="http://schemas.microsoft.com/office/drawing/2014/main" xmlns:p="http://schemas.openxmlformats.org/presentationml/2006/main" xmlns:r="http://schemas.openxmlformats.org/officeDocument/2006/relationships" xmlns:a="http://schemas.openxmlformats.org/drawingml/2006/main" xmlns="" id="{E00DECB2-2A6D-3F4D-B0E9-EF7D6D94CBFD}"/>
+                <a16:creationId xmlns="" xmlns:a="http://schemas.openxmlformats.org/drawingml/2006/main" xmlns:r="http://schemas.openxmlformats.org/officeDocument/2006/relationships" xmlns:p="http://schemas.openxmlformats.org/presentationml/2006/main" xmlns:a16="http://schemas.microsoft.com/office/drawing/2014/main" xmlns:mv="urn:schemas-microsoft-com:mac:vml" xmlns:mc="http://schemas.openxmlformats.org/markup-compatibility/2006" id="{E00DECB2-2A6D-3F4D-B0E9-EF7D6D94CBFD}"/>
               </a:ext>
             </a:extLst>
           </p:cNvPr>
@@ -6552,7 +6582,7 @@
           <p:cNvPr id="4" name="Content Placeholder 3">
             <a:extLst>
               <a:ext uri="{FF2B5EF4-FFF2-40B4-BE49-F238E27FC236}">
-                <a16:creationId xmlns:a16="http://schemas.microsoft.com/office/drawing/2014/main" xmlns:p="http://schemas.openxmlformats.org/presentationml/2006/main" xmlns:r="http://schemas.openxmlformats.org/officeDocument/2006/relationships" xmlns:a="http://schemas.openxmlformats.org/drawingml/2006/main" xmlns="" id="{653627E7-AE42-8647-8647-EC7FB7907302}"/>
+                <a16:creationId xmlns="" xmlns:a="http://schemas.openxmlformats.org/drawingml/2006/main" xmlns:r="http://schemas.openxmlformats.org/officeDocument/2006/relationships" xmlns:p="http://schemas.openxmlformats.org/presentationml/2006/main" xmlns:a16="http://schemas.microsoft.com/office/drawing/2014/main" xmlns:mv="urn:schemas-microsoft-com:mac:vml" xmlns:mc="http://schemas.openxmlformats.org/markup-compatibility/2006" id="{653627E7-AE42-8647-8647-EC7FB7907302}"/>
               </a:ext>
             </a:extLst>
           </p:cNvPr>
@@ -6563,7 +6593,7 @@
             <p:ph idx="1"/>
             <p:extLst>
               <p:ext uri="{D42A27DB-BD31-4B8C-83A1-F6EECF244321}">
-                <p14:modId xmlns:p14="http://schemas.microsoft.com/office/powerpoint/2010/main" xmlns:p="http://schemas.openxmlformats.org/presentationml/2006/main" xmlns:r="http://schemas.openxmlformats.org/officeDocument/2006/relationships" xmlns:a="http://schemas.openxmlformats.org/drawingml/2006/main" xmlns="" val="4132330554"/>
+                <p14:modId xmlns="" xmlns:a="http://schemas.openxmlformats.org/drawingml/2006/main" xmlns:r="http://schemas.openxmlformats.org/officeDocument/2006/relationships" xmlns:p="http://schemas.openxmlformats.org/presentationml/2006/main" xmlns:p14="http://schemas.microsoft.com/office/powerpoint/2010/main" xmlns:mv="urn:schemas-microsoft-com:mac:vml" xmlns:mc="http://schemas.openxmlformats.org/markup-compatibility/2006" val="4132330554"/>
               </p:ext>
             </p:extLst>
           </p:nvPr>
@@ -6582,42 +6612,42 @@
                 <a:gridCol w="1122483">
                   <a:extLst>
                     <a:ext uri="{9D8B030D-6E8A-4147-A177-3AD203B41FA5}">
-                      <a16:colId xmlns:a16="http://schemas.microsoft.com/office/drawing/2014/main" xmlns:p="http://schemas.openxmlformats.org/presentationml/2006/main" xmlns:r="http://schemas.openxmlformats.org/officeDocument/2006/relationships" xmlns:a="http://schemas.openxmlformats.org/drawingml/2006/main" xmlns="" val="29268726"/>
+                      <a16:colId xmlns="" xmlns:a="http://schemas.openxmlformats.org/drawingml/2006/main" xmlns:r="http://schemas.openxmlformats.org/officeDocument/2006/relationships" xmlns:p="http://schemas.openxmlformats.org/presentationml/2006/main" xmlns:a16="http://schemas.microsoft.com/office/drawing/2014/main" xmlns:mv="urn:schemas-microsoft-com:mac:vml" xmlns:mc="http://schemas.openxmlformats.org/markup-compatibility/2006" val="29268726"/>
                     </a:ext>
                   </a:extLst>
                 </a:gridCol>
                 <a:gridCol w="2195205">
                   <a:extLst>
                     <a:ext uri="{9D8B030D-6E8A-4147-A177-3AD203B41FA5}">
-                      <a16:colId xmlns:a16="http://schemas.microsoft.com/office/drawing/2014/main" xmlns:p="http://schemas.openxmlformats.org/presentationml/2006/main" xmlns:r="http://schemas.openxmlformats.org/officeDocument/2006/relationships" xmlns:a="http://schemas.openxmlformats.org/drawingml/2006/main" xmlns="" val="2642980056"/>
+                      <a16:colId xmlns="" xmlns:a="http://schemas.openxmlformats.org/drawingml/2006/main" xmlns:r="http://schemas.openxmlformats.org/officeDocument/2006/relationships" xmlns:p="http://schemas.openxmlformats.org/presentationml/2006/main" xmlns:a16="http://schemas.microsoft.com/office/drawing/2014/main" xmlns:mv="urn:schemas-microsoft-com:mac:vml" xmlns:mc="http://schemas.openxmlformats.org/markup-compatibility/2006" val="2642980056"/>
                     </a:ext>
                   </a:extLst>
                 </a:gridCol>
                 <a:gridCol w="862396">
                   <a:extLst>
                     <a:ext uri="{9D8B030D-6E8A-4147-A177-3AD203B41FA5}">
-                      <a16:colId xmlns:a16="http://schemas.microsoft.com/office/drawing/2014/main" xmlns:p="http://schemas.openxmlformats.org/presentationml/2006/main" xmlns:r="http://schemas.openxmlformats.org/officeDocument/2006/relationships" xmlns:a="http://schemas.openxmlformats.org/drawingml/2006/main" xmlns="" val="483223152"/>
+                      <a16:colId xmlns="" xmlns:a="http://schemas.openxmlformats.org/drawingml/2006/main" xmlns:r="http://schemas.openxmlformats.org/officeDocument/2006/relationships" xmlns:p="http://schemas.openxmlformats.org/presentationml/2006/main" xmlns:a16="http://schemas.microsoft.com/office/drawing/2014/main" xmlns:mv="urn:schemas-microsoft-com:mac:vml" xmlns:mc="http://schemas.openxmlformats.org/markup-compatibility/2006" val="483223152"/>
                     </a:ext>
                   </a:extLst>
                 </a:gridCol>
                 <a:gridCol w="1156625">
                   <a:extLst>
                     <a:ext uri="{9D8B030D-6E8A-4147-A177-3AD203B41FA5}">
-                      <a16:colId xmlns:a16="http://schemas.microsoft.com/office/drawing/2014/main" xmlns:p="http://schemas.openxmlformats.org/presentationml/2006/main" xmlns:r="http://schemas.openxmlformats.org/officeDocument/2006/relationships" xmlns:a="http://schemas.openxmlformats.org/drawingml/2006/main" xmlns="" val="4261783085"/>
+                      <a16:colId xmlns="" xmlns:a="http://schemas.openxmlformats.org/drawingml/2006/main" xmlns:r="http://schemas.openxmlformats.org/officeDocument/2006/relationships" xmlns:p="http://schemas.openxmlformats.org/presentationml/2006/main" xmlns:a16="http://schemas.microsoft.com/office/drawing/2014/main" xmlns:mv="urn:schemas-microsoft-com:mac:vml" xmlns:mc="http://schemas.openxmlformats.org/markup-compatibility/2006" val="4261783085"/>
                     </a:ext>
                   </a:extLst>
                 </a:gridCol>
                 <a:gridCol w="1331640">
                   <a:extLst>
                     <a:ext uri="{9D8B030D-6E8A-4147-A177-3AD203B41FA5}">
-                      <a16:colId xmlns:a16="http://schemas.microsoft.com/office/drawing/2014/main" xmlns:p="http://schemas.openxmlformats.org/presentationml/2006/main" xmlns:r="http://schemas.openxmlformats.org/officeDocument/2006/relationships" xmlns:a="http://schemas.openxmlformats.org/drawingml/2006/main" xmlns="" val="3246034222"/>
+                      <a16:colId xmlns="" xmlns:a="http://schemas.openxmlformats.org/drawingml/2006/main" xmlns:r="http://schemas.openxmlformats.org/officeDocument/2006/relationships" xmlns:p="http://schemas.openxmlformats.org/presentationml/2006/main" xmlns:a16="http://schemas.microsoft.com/office/drawing/2014/main" xmlns:mv="urn:schemas-microsoft-com:mac:vml" xmlns:mc="http://schemas.openxmlformats.org/markup-compatibility/2006" val="3246034222"/>
                     </a:ext>
                   </a:extLst>
                 </a:gridCol>
                 <a:gridCol w="1362079">
                   <a:extLst>
                     <a:ext uri="{9D8B030D-6E8A-4147-A177-3AD203B41FA5}">
-                      <a16:colId xmlns:a16="http://schemas.microsoft.com/office/drawing/2014/main" xmlns:p="http://schemas.openxmlformats.org/presentationml/2006/main" xmlns:r="http://schemas.openxmlformats.org/officeDocument/2006/relationships" xmlns:a="http://schemas.openxmlformats.org/drawingml/2006/main" xmlns="" val="4208945667"/>
+                      <a16:colId xmlns="" xmlns:a="http://schemas.openxmlformats.org/drawingml/2006/main" xmlns:r="http://schemas.openxmlformats.org/officeDocument/2006/relationships" xmlns:p="http://schemas.openxmlformats.org/presentationml/2006/main" xmlns:a16="http://schemas.microsoft.com/office/drawing/2014/main" xmlns:mv="urn:schemas-microsoft-com:mac:vml" xmlns:mc="http://schemas.openxmlformats.org/markup-compatibility/2006" val="4208945667"/>
                     </a:ext>
                   </a:extLst>
                 </a:gridCol>
@@ -6763,7 +6793,7 @@
                 </a:tc>
                 <a:extLst>
                   <a:ext uri="{0D108BD9-81ED-4DB2-BD59-A6C34878D82A}">
-                    <a16:rowId xmlns:a16="http://schemas.microsoft.com/office/drawing/2014/main" xmlns:p="http://schemas.openxmlformats.org/presentationml/2006/main" xmlns:r="http://schemas.openxmlformats.org/officeDocument/2006/relationships" xmlns:a="http://schemas.openxmlformats.org/drawingml/2006/main" xmlns="" val="515607063"/>
+                    <a16:rowId xmlns="" xmlns:a="http://schemas.openxmlformats.org/drawingml/2006/main" xmlns:r="http://schemas.openxmlformats.org/officeDocument/2006/relationships" xmlns:p="http://schemas.openxmlformats.org/presentationml/2006/main" xmlns:a16="http://schemas.microsoft.com/office/drawing/2014/main" xmlns:mv="urn:schemas-microsoft-com:mac:vml" xmlns:mc="http://schemas.openxmlformats.org/markup-compatibility/2006" val="515607063"/>
                   </a:ext>
                 </a:extLst>
               </a:tr>
@@ -6908,7 +6938,7 @@
                 </a:tc>
                 <a:extLst>
                   <a:ext uri="{0D108BD9-81ED-4DB2-BD59-A6C34878D82A}">
-                    <a16:rowId xmlns:a16="http://schemas.microsoft.com/office/drawing/2014/main" xmlns:p="http://schemas.openxmlformats.org/presentationml/2006/main" xmlns:r="http://schemas.openxmlformats.org/officeDocument/2006/relationships" xmlns:a="http://schemas.openxmlformats.org/drawingml/2006/main" xmlns="" val="172969485"/>
+                    <a16:rowId xmlns="" xmlns:a="http://schemas.openxmlformats.org/drawingml/2006/main" xmlns:r="http://schemas.openxmlformats.org/officeDocument/2006/relationships" xmlns:p="http://schemas.openxmlformats.org/presentationml/2006/main" xmlns:a16="http://schemas.microsoft.com/office/drawing/2014/main" xmlns:mv="urn:schemas-microsoft-com:mac:vml" xmlns:mc="http://schemas.openxmlformats.org/markup-compatibility/2006" val="172969485"/>
                   </a:ext>
                 </a:extLst>
               </a:tr>
@@ -7053,7 +7083,7 @@
                 </a:tc>
                 <a:extLst>
                   <a:ext uri="{0D108BD9-81ED-4DB2-BD59-A6C34878D82A}">
-                    <a16:rowId xmlns:a16="http://schemas.microsoft.com/office/drawing/2014/main" xmlns:p="http://schemas.openxmlformats.org/presentationml/2006/main" xmlns:r="http://schemas.openxmlformats.org/officeDocument/2006/relationships" xmlns:a="http://schemas.openxmlformats.org/drawingml/2006/main" xmlns="" val="1299331418"/>
+                    <a16:rowId xmlns="" xmlns:a="http://schemas.openxmlformats.org/drawingml/2006/main" xmlns:r="http://schemas.openxmlformats.org/officeDocument/2006/relationships" xmlns:p="http://schemas.openxmlformats.org/presentationml/2006/main" xmlns:a16="http://schemas.microsoft.com/office/drawing/2014/main" xmlns:mv="urn:schemas-microsoft-com:mac:vml" xmlns:mc="http://schemas.openxmlformats.org/markup-compatibility/2006" val="1299331418"/>
                   </a:ext>
                 </a:extLst>
               </a:tr>
@@ -7198,7 +7228,7 @@
                 </a:tc>
                 <a:extLst>
                   <a:ext uri="{0D108BD9-81ED-4DB2-BD59-A6C34878D82A}">
-                    <a16:rowId xmlns:a16="http://schemas.microsoft.com/office/drawing/2014/main" xmlns:p="http://schemas.openxmlformats.org/presentationml/2006/main" xmlns:r="http://schemas.openxmlformats.org/officeDocument/2006/relationships" xmlns:a="http://schemas.openxmlformats.org/drawingml/2006/main" xmlns="" val="3007129999"/>
+                    <a16:rowId xmlns="" xmlns:a="http://schemas.openxmlformats.org/drawingml/2006/main" xmlns:r="http://schemas.openxmlformats.org/officeDocument/2006/relationships" xmlns:p="http://schemas.openxmlformats.org/presentationml/2006/main" xmlns:a16="http://schemas.microsoft.com/office/drawing/2014/main" xmlns:mv="urn:schemas-microsoft-com:mac:vml" xmlns:mc="http://schemas.openxmlformats.org/markup-compatibility/2006" val="3007129999"/>
                   </a:ext>
                 </a:extLst>
               </a:tr>
@@ -7343,7 +7373,7 @@
                 </a:tc>
                 <a:extLst>
                   <a:ext uri="{0D108BD9-81ED-4DB2-BD59-A6C34878D82A}">
-                    <a16:rowId xmlns:a16="http://schemas.microsoft.com/office/drawing/2014/main" xmlns:p="http://schemas.openxmlformats.org/presentationml/2006/main" xmlns:r="http://schemas.openxmlformats.org/officeDocument/2006/relationships" xmlns:a="http://schemas.openxmlformats.org/drawingml/2006/main" xmlns="" val="1703845250"/>
+                    <a16:rowId xmlns="" xmlns:a="http://schemas.openxmlformats.org/drawingml/2006/main" xmlns:r="http://schemas.openxmlformats.org/officeDocument/2006/relationships" xmlns:p="http://schemas.openxmlformats.org/presentationml/2006/main" xmlns:a16="http://schemas.microsoft.com/office/drawing/2014/main" xmlns:mv="urn:schemas-microsoft-com:mac:vml" xmlns:mc="http://schemas.openxmlformats.org/markup-compatibility/2006" val="1703845250"/>
                   </a:ext>
                 </a:extLst>
               </a:tr>
@@ -7488,7 +7518,7 @@
                 </a:tc>
                 <a:extLst>
                   <a:ext uri="{0D108BD9-81ED-4DB2-BD59-A6C34878D82A}">
-                    <a16:rowId xmlns:a16="http://schemas.microsoft.com/office/drawing/2014/main" xmlns:p="http://schemas.openxmlformats.org/presentationml/2006/main" xmlns:r="http://schemas.openxmlformats.org/officeDocument/2006/relationships" xmlns:a="http://schemas.openxmlformats.org/drawingml/2006/main" xmlns="" val="3524539160"/>
+                    <a16:rowId xmlns="" xmlns:a="http://schemas.openxmlformats.org/drawingml/2006/main" xmlns:r="http://schemas.openxmlformats.org/officeDocument/2006/relationships" xmlns:p="http://schemas.openxmlformats.org/presentationml/2006/main" xmlns:a16="http://schemas.microsoft.com/office/drawing/2014/main" xmlns:mv="urn:schemas-microsoft-com:mac:vml" xmlns:mc="http://schemas.openxmlformats.org/markup-compatibility/2006" val="3524539160"/>
                   </a:ext>
                 </a:extLst>
               </a:tr>
@@ -7499,7 +7529,7 @@
     </p:spTree>
     <p:extLst>
       <p:ext uri="{BB962C8B-B14F-4D97-AF65-F5344CB8AC3E}">
-        <p14:creationId xmlns:p14="http://schemas.microsoft.com/office/powerpoint/2010/main" xmlns:p="http://schemas.openxmlformats.org/presentationml/2006/main" xmlns:r="http://schemas.openxmlformats.org/officeDocument/2006/relationships" xmlns:a="http://schemas.openxmlformats.org/drawingml/2006/main" xmlns="" val="157327692"/>
+        <p14:creationId xmlns="" xmlns:a="http://schemas.openxmlformats.org/drawingml/2006/main" xmlns:r="http://schemas.openxmlformats.org/officeDocument/2006/relationships" xmlns:p="http://schemas.openxmlformats.org/presentationml/2006/main" xmlns:p14="http://schemas.microsoft.com/office/powerpoint/2010/main" xmlns:mv="urn:schemas-microsoft-com:mac:vml" xmlns:mc="http://schemas.openxmlformats.org/markup-compatibility/2006" val="157327692"/>
       </p:ext>
     </p:extLst>
   </p:cSld>
@@ -7531,7 +7561,7 @@
           <p:cNvPr id="2" name="Title 1">
             <a:extLst>
               <a:ext uri="{FF2B5EF4-FFF2-40B4-BE49-F238E27FC236}">
-                <a16:creationId xmlns:a16="http://schemas.microsoft.com/office/drawing/2014/main" xmlns:p="http://schemas.openxmlformats.org/presentationml/2006/main" xmlns:r="http://schemas.openxmlformats.org/officeDocument/2006/relationships" xmlns:a="http://schemas.openxmlformats.org/drawingml/2006/main" xmlns="" id="{E00DECB2-2A6D-3F4D-B0E9-EF7D6D94CBFD}"/>
+                <a16:creationId xmlns="" xmlns:a="http://schemas.openxmlformats.org/drawingml/2006/main" xmlns:r="http://schemas.openxmlformats.org/officeDocument/2006/relationships" xmlns:p="http://schemas.openxmlformats.org/presentationml/2006/main" xmlns:a16="http://schemas.microsoft.com/office/drawing/2014/main" xmlns:mv="urn:schemas-microsoft-com:mac:vml" xmlns:mc="http://schemas.openxmlformats.org/markup-compatibility/2006" id="{E00DECB2-2A6D-3F4D-B0E9-EF7D6D94CBFD}"/>
               </a:ext>
             </a:extLst>
           </p:cNvPr>
@@ -7564,7 +7594,7 @@
           <p:cNvPr id="6" name="Content Placeholder 5">
             <a:extLst>
               <a:ext uri="{FF2B5EF4-FFF2-40B4-BE49-F238E27FC236}">
-                <a16:creationId xmlns:a16="http://schemas.microsoft.com/office/drawing/2014/main" xmlns:p="http://schemas.openxmlformats.org/presentationml/2006/main" xmlns:r="http://schemas.openxmlformats.org/officeDocument/2006/relationships" xmlns:a="http://schemas.openxmlformats.org/drawingml/2006/main" xmlns="" id="{996FD10D-A668-954F-BD1A-A83D832F0899}"/>
+                <a16:creationId xmlns="" xmlns:a="http://schemas.openxmlformats.org/drawingml/2006/main" xmlns:r="http://schemas.openxmlformats.org/officeDocument/2006/relationships" xmlns:p="http://schemas.openxmlformats.org/presentationml/2006/main" xmlns:a16="http://schemas.microsoft.com/office/drawing/2014/main" xmlns:mv="urn:schemas-microsoft-com:mac:vml" xmlns:mc="http://schemas.openxmlformats.org/markup-compatibility/2006" id="{996FD10D-A668-954F-BD1A-A83D832F0899}"/>
               </a:ext>
             </a:extLst>
           </p:cNvPr>
@@ -7589,35 +7619,35 @@
                 <a:gridCol w="1244505">
                   <a:extLst>
                     <a:ext uri="{9D8B030D-6E8A-4147-A177-3AD203B41FA5}">
-                      <a16:colId xmlns:a16="http://schemas.microsoft.com/office/drawing/2014/main" xmlns:p="http://schemas.openxmlformats.org/presentationml/2006/main" xmlns:r="http://schemas.openxmlformats.org/officeDocument/2006/relationships" xmlns:a="http://schemas.openxmlformats.org/drawingml/2006/main" xmlns="" val="284297394"/>
+                      <a16:colId xmlns="" xmlns:a="http://schemas.openxmlformats.org/drawingml/2006/main" xmlns:r="http://schemas.openxmlformats.org/officeDocument/2006/relationships" xmlns:p="http://schemas.openxmlformats.org/presentationml/2006/main" xmlns:a16="http://schemas.microsoft.com/office/drawing/2014/main" xmlns:mv="urn:schemas-microsoft-com:mac:vml" xmlns:mc="http://schemas.openxmlformats.org/markup-compatibility/2006" val="284297394"/>
                     </a:ext>
                   </a:extLst>
                 </a:gridCol>
                 <a:gridCol w="1885410">
                   <a:extLst>
                     <a:ext uri="{9D8B030D-6E8A-4147-A177-3AD203B41FA5}">
-                      <a16:colId xmlns:a16="http://schemas.microsoft.com/office/drawing/2014/main" xmlns:p="http://schemas.openxmlformats.org/presentationml/2006/main" xmlns:r="http://schemas.openxmlformats.org/officeDocument/2006/relationships" xmlns:a="http://schemas.openxmlformats.org/drawingml/2006/main" xmlns="" val="177517811"/>
+                      <a16:colId xmlns="" xmlns:a="http://schemas.openxmlformats.org/drawingml/2006/main" xmlns:r="http://schemas.openxmlformats.org/officeDocument/2006/relationships" xmlns:p="http://schemas.openxmlformats.org/presentationml/2006/main" xmlns:a16="http://schemas.microsoft.com/office/drawing/2014/main" xmlns:mv="urn:schemas-microsoft-com:mac:vml" xmlns:mc="http://schemas.openxmlformats.org/markup-compatibility/2006" val="177517811"/>
                     </a:ext>
                   </a:extLst>
                 </a:gridCol>
                 <a:gridCol w="1564958">
                   <a:extLst>
                     <a:ext uri="{9D8B030D-6E8A-4147-A177-3AD203B41FA5}">
-                      <a16:colId xmlns:a16="http://schemas.microsoft.com/office/drawing/2014/main" xmlns:p="http://schemas.openxmlformats.org/presentationml/2006/main" xmlns:r="http://schemas.openxmlformats.org/officeDocument/2006/relationships" xmlns:a="http://schemas.openxmlformats.org/drawingml/2006/main" xmlns="" val="3690755752"/>
+                      <a16:colId xmlns="" xmlns:a="http://schemas.openxmlformats.org/drawingml/2006/main" xmlns:r="http://schemas.openxmlformats.org/officeDocument/2006/relationships" xmlns:p="http://schemas.openxmlformats.org/presentationml/2006/main" xmlns:a16="http://schemas.microsoft.com/office/drawing/2014/main" xmlns:mv="urn:schemas-microsoft-com:mac:vml" xmlns:mc="http://schemas.openxmlformats.org/markup-compatibility/2006" val="3690755752"/>
                     </a:ext>
                   </a:extLst>
                 </a:gridCol>
                 <a:gridCol w="1564958">
                   <a:extLst>
                     <a:ext uri="{9D8B030D-6E8A-4147-A177-3AD203B41FA5}">
-                      <a16:colId xmlns:a16="http://schemas.microsoft.com/office/drawing/2014/main" xmlns:p="http://schemas.openxmlformats.org/presentationml/2006/main" xmlns:r="http://schemas.openxmlformats.org/officeDocument/2006/relationships" xmlns:a="http://schemas.openxmlformats.org/drawingml/2006/main" xmlns="" val="57277468"/>
+                      <a16:colId xmlns="" xmlns:a="http://schemas.openxmlformats.org/drawingml/2006/main" xmlns:r="http://schemas.openxmlformats.org/officeDocument/2006/relationships" xmlns:p="http://schemas.openxmlformats.org/presentationml/2006/main" xmlns:a16="http://schemas.microsoft.com/office/drawing/2014/main" xmlns:mv="urn:schemas-microsoft-com:mac:vml" xmlns:mc="http://schemas.openxmlformats.org/markup-compatibility/2006" val="57277468"/>
                     </a:ext>
                   </a:extLst>
                 </a:gridCol>
                 <a:gridCol w="1564958">
                   <a:extLst>
                     <a:ext uri="{9D8B030D-6E8A-4147-A177-3AD203B41FA5}">
-                      <a16:colId xmlns:a16="http://schemas.microsoft.com/office/drawing/2014/main" xmlns:p="http://schemas.openxmlformats.org/presentationml/2006/main" xmlns:r="http://schemas.openxmlformats.org/officeDocument/2006/relationships" xmlns:a="http://schemas.openxmlformats.org/drawingml/2006/main" xmlns="" val="3892588513"/>
+                      <a16:colId xmlns="" xmlns:a="http://schemas.openxmlformats.org/drawingml/2006/main" xmlns:r="http://schemas.openxmlformats.org/officeDocument/2006/relationships" xmlns:p="http://schemas.openxmlformats.org/presentationml/2006/main" xmlns:a16="http://schemas.microsoft.com/office/drawing/2014/main" xmlns:mv="urn:schemas-microsoft-com:mac:vml" xmlns:mc="http://schemas.openxmlformats.org/markup-compatibility/2006" val="3892588513"/>
                     </a:ext>
                   </a:extLst>
                 </a:gridCol>
@@ -7740,7 +7770,7 @@
                 </a:tc>
                 <a:extLst>
                   <a:ext uri="{0D108BD9-81ED-4DB2-BD59-A6C34878D82A}">
-                    <a16:rowId xmlns:a16="http://schemas.microsoft.com/office/drawing/2014/main" xmlns:p="http://schemas.openxmlformats.org/presentationml/2006/main" xmlns:r="http://schemas.openxmlformats.org/officeDocument/2006/relationships" xmlns:a="http://schemas.openxmlformats.org/drawingml/2006/main" xmlns="" val="1290706802"/>
+                    <a16:rowId xmlns="" xmlns:a="http://schemas.openxmlformats.org/drawingml/2006/main" xmlns:r="http://schemas.openxmlformats.org/officeDocument/2006/relationships" xmlns:p="http://schemas.openxmlformats.org/presentationml/2006/main" xmlns:a16="http://schemas.microsoft.com/office/drawing/2014/main" xmlns:mv="urn:schemas-microsoft-com:mac:vml" xmlns:mc="http://schemas.openxmlformats.org/markup-compatibility/2006" val="1290706802"/>
                   </a:ext>
                 </a:extLst>
               </a:tr>
@@ -7862,7 +7892,7 @@
                 </a:tc>
                 <a:extLst>
                   <a:ext uri="{0D108BD9-81ED-4DB2-BD59-A6C34878D82A}">
-                    <a16:rowId xmlns:a16="http://schemas.microsoft.com/office/drawing/2014/main" xmlns:p="http://schemas.openxmlformats.org/presentationml/2006/main" xmlns:r="http://schemas.openxmlformats.org/officeDocument/2006/relationships" xmlns:a="http://schemas.openxmlformats.org/drawingml/2006/main" xmlns="" val="4054646142"/>
+                    <a16:rowId xmlns="" xmlns:a="http://schemas.openxmlformats.org/drawingml/2006/main" xmlns:r="http://schemas.openxmlformats.org/officeDocument/2006/relationships" xmlns:p="http://schemas.openxmlformats.org/presentationml/2006/main" xmlns:a16="http://schemas.microsoft.com/office/drawing/2014/main" xmlns:mv="urn:schemas-microsoft-com:mac:vml" xmlns:mc="http://schemas.openxmlformats.org/markup-compatibility/2006" val="4054646142"/>
                   </a:ext>
                 </a:extLst>
               </a:tr>
@@ -7990,7 +8020,7 @@
                 </a:tc>
                 <a:extLst>
                   <a:ext uri="{0D108BD9-81ED-4DB2-BD59-A6C34878D82A}">
-                    <a16:rowId xmlns:a16="http://schemas.microsoft.com/office/drawing/2014/main" xmlns:p="http://schemas.openxmlformats.org/presentationml/2006/main" xmlns:r="http://schemas.openxmlformats.org/officeDocument/2006/relationships" xmlns:a="http://schemas.openxmlformats.org/drawingml/2006/main" xmlns="" val="366817353"/>
+                    <a16:rowId xmlns="" xmlns:a="http://schemas.openxmlformats.org/drawingml/2006/main" xmlns:r="http://schemas.openxmlformats.org/officeDocument/2006/relationships" xmlns:p="http://schemas.openxmlformats.org/presentationml/2006/main" xmlns:a16="http://schemas.microsoft.com/office/drawing/2014/main" xmlns:mv="urn:schemas-microsoft-com:mac:vml" xmlns:mc="http://schemas.openxmlformats.org/markup-compatibility/2006" val="366817353"/>
                   </a:ext>
                 </a:extLst>
               </a:tr>
@@ -8112,7 +8142,7 @@
                 </a:tc>
                 <a:extLst>
                   <a:ext uri="{0D108BD9-81ED-4DB2-BD59-A6C34878D82A}">
-                    <a16:rowId xmlns:a16="http://schemas.microsoft.com/office/drawing/2014/main" xmlns:p="http://schemas.openxmlformats.org/presentationml/2006/main" xmlns:r="http://schemas.openxmlformats.org/officeDocument/2006/relationships" xmlns:a="http://schemas.openxmlformats.org/drawingml/2006/main" xmlns="" val="2222253786"/>
+                    <a16:rowId xmlns="" xmlns:a="http://schemas.openxmlformats.org/drawingml/2006/main" xmlns:r="http://schemas.openxmlformats.org/officeDocument/2006/relationships" xmlns:p="http://schemas.openxmlformats.org/presentationml/2006/main" xmlns:a16="http://schemas.microsoft.com/office/drawing/2014/main" xmlns:mv="urn:schemas-microsoft-com:mac:vml" xmlns:mc="http://schemas.openxmlformats.org/markup-compatibility/2006" val="2222253786"/>
                   </a:ext>
                 </a:extLst>
               </a:tr>
@@ -8234,7 +8264,7 @@
                 </a:tc>
                 <a:extLst>
                   <a:ext uri="{0D108BD9-81ED-4DB2-BD59-A6C34878D82A}">
-                    <a16:rowId xmlns:a16="http://schemas.microsoft.com/office/drawing/2014/main" xmlns:p="http://schemas.openxmlformats.org/presentationml/2006/main" xmlns:r="http://schemas.openxmlformats.org/officeDocument/2006/relationships" xmlns:a="http://schemas.openxmlformats.org/drawingml/2006/main" xmlns="" val="950225464"/>
+                    <a16:rowId xmlns="" xmlns:a="http://schemas.openxmlformats.org/drawingml/2006/main" xmlns:r="http://schemas.openxmlformats.org/officeDocument/2006/relationships" xmlns:p="http://schemas.openxmlformats.org/presentationml/2006/main" xmlns:a16="http://schemas.microsoft.com/office/drawing/2014/main" xmlns:mv="urn:schemas-microsoft-com:mac:vml" xmlns:mc="http://schemas.openxmlformats.org/markup-compatibility/2006" val="950225464"/>
                   </a:ext>
                 </a:extLst>
               </a:tr>
@@ -8356,7 +8386,7 @@
                 </a:tc>
                 <a:extLst>
                   <a:ext uri="{0D108BD9-81ED-4DB2-BD59-A6C34878D82A}">
-                    <a16:rowId xmlns:a16="http://schemas.microsoft.com/office/drawing/2014/main" xmlns:p="http://schemas.openxmlformats.org/presentationml/2006/main" xmlns:r="http://schemas.openxmlformats.org/officeDocument/2006/relationships" xmlns:a="http://schemas.openxmlformats.org/drawingml/2006/main" xmlns="" val="782858432"/>
+                    <a16:rowId xmlns="" xmlns:a="http://schemas.openxmlformats.org/drawingml/2006/main" xmlns:r="http://schemas.openxmlformats.org/officeDocument/2006/relationships" xmlns:p="http://schemas.openxmlformats.org/presentationml/2006/main" xmlns:a16="http://schemas.microsoft.com/office/drawing/2014/main" xmlns:mv="urn:schemas-microsoft-com:mac:vml" xmlns:mc="http://schemas.openxmlformats.org/markup-compatibility/2006" val="782858432"/>
                   </a:ext>
                 </a:extLst>
               </a:tr>
@@ -8369,7 +8399,7 @@
           <p:cNvPr id="3" name="Rectangle 2">
             <a:extLst>
               <a:ext uri="{FF2B5EF4-FFF2-40B4-BE49-F238E27FC236}">
-                <a16:creationId xmlns:a16="http://schemas.microsoft.com/office/drawing/2014/main" xmlns:p="http://schemas.openxmlformats.org/presentationml/2006/main" xmlns:r="http://schemas.openxmlformats.org/officeDocument/2006/relationships" xmlns:a="http://schemas.openxmlformats.org/drawingml/2006/main" xmlns="" id="{717E3DB4-6708-2B4C-9911-7E2E662E415C}"/>
+                <a16:creationId xmlns="" xmlns:a="http://schemas.openxmlformats.org/drawingml/2006/main" xmlns:r="http://schemas.openxmlformats.org/officeDocument/2006/relationships" xmlns:p="http://schemas.openxmlformats.org/presentationml/2006/main" xmlns:a16="http://schemas.microsoft.com/office/drawing/2014/main" xmlns:mv="urn:schemas-microsoft-com:mac:vml" xmlns:mc="http://schemas.openxmlformats.org/markup-compatibility/2006" id="{717E3DB4-6708-2B4C-9911-7E2E662E415C}"/>
               </a:ext>
             </a:extLst>
           </p:cNvPr>
@@ -8421,7 +8451,7 @@
           <p:cNvPr id="5" name="Rectangle 4">
             <a:extLst>
               <a:ext uri="{FF2B5EF4-FFF2-40B4-BE49-F238E27FC236}">
-                <a16:creationId xmlns:a16="http://schemas.microsoft.com/office/drawing/2014/main" xmlns:p="http://schemas.openxmlformats.org/presentationml/2006/main" xmlns:r="http://schemas.openxmlformats.org/officeDocument/2006/relationships" xmlns:a="http://schemas.openxmlformats.org/drawingml/2006/main" xmlns="" id="{90CB3A83-EF08-6C47-AF19-584803301B57}"/>
+                <a16:creationId xmlns="" xmlns:a="http://schemas.openxmlformats.org/drawingml/2006/main" xmlns:r="http://schemas.openxmlformats.org/officeDocument/2006/relationships" xmlns:p="http://schemas.openxmlformats.org/presentationml/2006/main" xmlns:a16="http://schemas.microsoft.com/office/drawing/2014/main" xmlns:mv="urn:schemas-microsoft-com:mac:vml" xmlns:mc="http://schemas.openxmlformats.org/markup-compatibility/2006" id="{90CB3A83-EF08-6C47-AF19-584803301B57}"/>
               </a:ext>
             </a:extLst>
           </p:cNvPr>
@@ -8471,7 +8501,7 @@
     </p:spTree>
     <p:extLst>
       <p:ext uri="{BB962C8B-B14F-4D97-AF65-F5344CB8AC3E}">
-        <p14:creationId xmlns:p14="http://schemas.microsoft.com/office/powerpoint/2010/main" xmlns:p="http://schemas.openxmlformats.org/presentationml/2006/main" xmlns:r="http://schemas.openxmlformats.org/officeDocument/2006/relationships" xmlns:a="http://schemas.openxmlformats.org/drawingml/2006/main" xmlns="" val="4070173672"/>
+        <p14:creationId xmlns="" xmlns:a="http://schemas.openxmlformats.org/drawingml/2006/main" xmlns:r="http://schemas.openxmlformats.org/officeDocument/2006/relationships" xmlns:p="http://schemas.openxmlformats.org/presentationml/2006/main" xmlns:p14="http://schemas.microsoft.com/office/powerpoint/2010/main" xmlns:mv="urn:schemas-microsoft-com:mac:vml" xmlns:mc="http://schemas.openxmlformats.org/markup-compatibility/2006" val="4070173672"/>
       </p:ext>
     </p:extLst>
   </p:cSld>
@@ -8503,7 +8533,7 @@
           <p:cNvPr id="2" name="Title 1">
             <a:extLst>
               <a:ext uri="{FF2B5EF4-FFF2-40B4-BE49-F238E27FC236}">
-                <a16:creationId xmlns:a16="http://schemas.microsoft.com/office/drawing/2014/main" xmlns:p="http://schemas.openxmlformats.org/presentationml/2006/main" xmlns:r="http://schemas.openxmlformats.org/officeDocument/2006/relationships" xmlns:a="http://schemas.openxmlformats.org/drawingml/2006/main" xmlns="" id="{F6C240E0-64A3-044E-8C32-438F2000D786}"/>
+                <a16:creationId xmlns="" xmlns:a="http://schemas.openxmlformats.org/drawingml/2006/main" xmlns:r="http://schemas.openxmlformats.org/officeDocument/2006/relationships" xmlns:p="http://schemas.openxmlformats.org/presentationml/2006/main" xmlns:a16="http://schemas.microsoft.com/office/drawing/2014/main" xmlns:mv="urn:schemas-microsoft-com:mac:vml" xmlns:mc="http://schemas.openxmlformats.org/markup-compatibility/2006" id="{F6C240E0-64A3-044E-8C32-438F2000D786}"/>
               </a:ext>
             </a:extLst>
           </p:cNvPr>
@@ -8531,7 +8561,7 @@
           <p:cNvPr id="5" name="Content Placeholder 4">
             <a:extLst>
               <a:ext uri="{FF2B5EF4-FFF2-40B4-BE49-F238E27FC236}">
-                <a16:creationId xmlns:a16="http://schemas.microsoft.com/office/drawing/2014/main" xmlns:p="http://schemas.openxmlformats.org/presentationml/2006/main" xmlns:r="http://schemas.openxmlformats.org/officeDocument/2006/relationships" xmlns:a="http://schemas.openxmlformats.org/drawingml/2006/main" xmlns="" id="{F350790F-E2A5-324C-AB14-7EC160D1F2B4}"/>
+                <a16:creationId xmlns="" xmlns:a="http://schemas.openxmlformats.org/drawingml/2006/main" xmlns:r="http://schemas.openxmlformats.org/officeDocument/2006/relationships" xmlns:p="http://schemas.openxmlformats.org/presentationml/2006/main" xmlns:a16="http://schemas.microsoft.com/office/drawing/2014/main" xmlns:mv="urn:schemas-microsoft-com:mac:vml" xmlns:mc="http://schemas.openxmlformats.org/markup-compatibility/2006" id="{F350790F-E2A5-324C-AB14-7EC160D1F2B4}"/>
               </a:ext>
             </a:extLst>
           </p:cNvPr>
@@ -8558,7 +8588,7 @@
     </p:spTree>
     <p:extLst>
       <p:ext uri="{BB962C8B-B14F-4D97-AF65-F5344CB8AC3E}">
-        <p14:creationId xmlns:p14="http://schemas.microsoft.com/office/powerpoint/2010/main" xmlns:p="http://schemas.openxmlformats.org/presentationml/2006/main" xmlns:r="http://schemas.openxmlformats.org/officeDocument/2006/relationships" xmlns:a="http://schemas.openxmlformats.org/drawingml/2006/main" xmlns="" val="1498045575"/>
+        <p14:creationId xmlns="" xmlns:a="http://schemas.openxmlformats.org/drawingml/2006/main" xmlns:r="http://schemas.openxmlformats.org/officeDocument/2006/relationships" xmlns:p="http://schemas.openxmlformats.org/presentationml/2006/main" xmlns:p14="http://schemas.microsoft.com/office/powerpoint/2010/main" xmlns:mv="urn:schemas-microsoft-com:mac:vml" xmlns:mc="http://schemas.openxmlformats.org/markup-compatibility/2006" val="1498045575"/>
       </p:ext>
     </p:extLst>
   </p:cSld>
@@ -8590,7 +8620,7 @@
           <p:cNvPr id="2" name="Title 1">
             <a:extLst>
               <a:ext uri="{FF2B5EF4-FFF2-40B4-BE49-F238E27FC236}">
-                <a16:creationId xmlns:a16="http://schemas.microsoft.com/office/drawing/2014/main" xmlns:p="http://schemas.openxmlformats.org/presentationml/2006/main" xmlns:r="http://schemas.openxmlformats.org/officeDocument/2006/relationships" xmlns:a="http://schemas.openxmlformats.org/drawingml/2006/main" xmlns="" id="{5106C83A-6B0E-9340-A992-8CA4C755CBCF}"/>
+                <a16:creationId xmlns="" xmlns:a="http://schemas.openxmlformats.org/drawingml/2006/main" xmlns:r="http://schemas.openxmlformats.org/officeDocument/2006/relationships" xmlns:p="http://schemas.openxmlformats.org/presentationml/2006/main" xmlns:a16="http://schemas.microsoft.com/office/drawing/2014/main" xmlns:mv="urn:schemas-microsoft-com:mac:vml" xmlns:mc="http://schemas.openxmlformats.org/markup-compatibility/2006" id="{5106C83A-6B0E-9340-A992-8CA4C755CBCF}"/>
               </a:ext>
             </a:extLst>
           </p:cNvPr>
@@ -8618,7 +8648,7 @@
           <p:cNvPr id="7" name="Content Placeholder 6">
             <a:extLst>
               <a:ext uri="{FF2B5EF4-FFF2-40B4-BE49-F238E27FC236}">
-                <a16:creationId xmlns:a16="http://schemas.microsoft.com/office/drawing/2014/main" xmlns:p="http://schemas.openxmlformats.org/presentationml/2006/main" xmlns:r="http://schemas.openxmlformats.org/officeDocument/2006/relationships" xmlns:a="http://schemas.openxmlformats.org/drawingml/2006/main" xmlns="" id="{AEDE56BF-65BD-0D40-ADEC-AF55EC566966}"/>
+                <a16:creationId xmlns="" xmlns:a="http://schemas.openxmlformats.org/drawingml/2006/main" xmlns:r="http://schemas.openxmlformats.org/officeDocument/2006/relationships" xmlns:p="http://schemas.openxmlformats.org/presentationml/2006/main" xmlns:a16="http://schemas.microsoft.com/office/drawing/2014/main" xmlns:mv="urn:schemas-microsoft-com:mac:vml" xmlns:mc="http://schemas.openxmlformats.org/markup-compatibility/2006" id="{AEDE56BF-65BD-0D40-ADEC-AF55EC566966}"/>
               </a:ext>
             </a:extLst>
           </p:cNvPr>
@@ -8629,7 +8659,7 @@
             <p:ph idx="1"/>
             <p:extLst>
               <p:ext uri="{D42A27DB-BD31-4B8C-83A1-F6EECF244321}">
-                <p14:modId xmlns:p14="http://schemas.microsoft.com/office/powerpoint/2010/main" xmlns:p="http://schemas.openxmlformats.org/presentationml/2006/main" xmlns:r="http://schemas.openxmlformats.org/officeDocument/2006/relationships" xmlns:a="http://schemas.openxmlformats.org/drawingml/2006/main" xmlns="" val="904785194"/>
+                <p14:modId xmlns="" xmlns:a="http://schemas.openxmlformats.org/drawingml/2006/main" xmlns:r="http://schemas.openxmlformats.org/officeDocument/2006/relationships" xmlns:p="http://schemas.openxmlformats.org/presentationml/2006/main" xmlns:p14="http://schemas.microsoft.com/office/powerpoint/2010/main" xmlns:mv="urn:schemas-microsoft-com:mac:vml" xmlns:mc="http://schemas.openxmlformats.org/markup-compatibility/2006" val="904785194"/>
               </p:ext>
             </p:extLst>
           </p:nvPr>
@@ -8648,28 +8678,28 @@
                 <a:gridCol w="1350098">
                   <a:extLst>
                     <a:ext uri="{9D8B030D-6E8A-4147-A177-3AD203B41FA5}">
-                      <a16:colId xmlns:a16="http://schemas.microsoft.com/office/drawing/2014/main" xmlns:p="http://schemas.openxmlformats.org/presentationml/2006/main" xmlns:r="http://schemas.openxmlformats.org/officeDocument/2006/relationships" xmlns:a="http://schemas.openxmlformats.org/drawingml/2006/main" xmlns="" val="4244332750"/>
+                      <a16:colId xmlns="" xmlns:a="http://schemas.openxmlformats.org/drawingml/2006/main" xmlns:r="http://schemas.openxmlformats.org/officeDocument/2006/relationships" xmlns:p="http://schemas.openxmlformats.org/presentationml/2006/main" xmlns:a16="http://schemas.microsoft.com/office/drawing/2014/main" xmlns:mv="urn:schemas-microsoft-com:mac:vml" xmlns:mc="http://schemas.openxmlformats.org/markup-compatibility/2006" val="4244332750"/>
                     </a:ext>
                   </a:extLst>
                 </a:gridCol>
                 <a:gridCol w="2014454">
                   <a:extLst>
                     <a:ext uri="{9D8B030D-6E8A-4147-A177-3AD203B41FA5}">
-                      <a16:colId xmlns:a16="http://schemas.microsoft.com/office/drawing/2014/main" xmlns:p="http://schemas.openxmlformats.org/presentationml/2006/main" xmlns:r="http://schemas.openxmlformats.org/officeDocument/2006/relationships" xmlns:a="http://schemas.openxmlformats.org/drawingml/2006/main" xmlns="" val="1383627116"/>
+                      <a16:colId xmlns="" xmlns:a="http://schemas.openxmlformats.org/drawingml/2006/main" xmlns:r="http://schemas.openxmlformats.org/officeDocument/2006/relationships" xmlns:p="http://schemas.openxmlformats.org/presentationml/2006/main" xmlns:a16="http://schemas.microsoft.com/office/drawing/2014/main" xmlns:mv="urn:schemas-microsoft-com:mac:vml" xmlns:mc="http://schemas.openxmlformats.org/markup-compatibility/2006" val="1383627116"/>
                     </a:ext>
                   </a:extLst>
                 </a:gridCol>
                 <a:gridCol w="2136386">
                   <a:extLst>
                     <a:ext uri="{9D8B030D-6E8A-4147-A177-3AD203B41FA5}">
-                      <a16:colId xmlns:a16="http://schemas.microsoft.com/office/drawing/2014/main" xmlns:p="http://schemas.openxmlformats.org/presentationml/2006/main" xmlns:r="http://schemas.openxmlformats.org/officeDocument/2006/relationships" xmlns:a="http://schemas.openxmlformats.org/drawingml/2006/main" xmlns="" val="1215504330"/>
+                      <a16:colId xmlns="" xmlns:a="http://schemas.openxmlformats.org/drawingml/2006/main" xmlns:r="http://schemas.openxmlformats.org/officeDocument/2006/relationships" xmlns:p="http://schemas.openxmlformats.org/presentationml/2006/main" xmlns:a16="http://schemas.microsoft.com/office/drawing/2014/main" xmlns:mv="urn:schemas-microsoft-com:mac:vml" xmlns:mc="http://schemas.openxmlformats.org/markup-compatibility/2006" val="1215504330"/>
                     </a:ext>
                   </a:extLst>
                 </a:gridCol>
                 <a:gridCol w="1819025">
                   <a:extLst>
                     <a:ext uri="{9D8B030D-6E8A-4147-A177-3AD203B41FA5}">
-                      <a16:colId xmlns:a16="http://schemas.microsoft.com/office/drawing/2014/main" xmlns:p="http://schemas.openxmlformats.org/presentationml/2006/main" xmlns:r="http://schemas.openxmlformats.org/officeDocument/2006/relationships" xmlns:a="http://schemas.openxmlformats.org/drawingml/2006/main" xmlns="" val="3378140508"/>
+                      <a16:colId xmlns="" xmlns:a="http://schemas.openxmlformats.org/drawingml/2006/main" xmlns:r="http://schemas.openxmlformats.org/officeDocument/2006/relationships" xmlns:p="http://schemas.openxmlformats.org/presentationml/2006/main" xmlns:a16="http://schemas.microsoft.com/office/drawing/2014/main" xmlns:mv="urn:schemas-microsoft-com:mac:vml" xmlns:mc="http://schemas.openxmlformats.org/markup-compatibility/2006" val="3378140508"/>
                     </a:ext>
                   </a:extLst>
                 </a:gridCol>
@@ -8769,7 +8799,7 @@
                 </a:tc>
                 <a:extLst>
                   <a:ext uri="{0D108BD9-81ED-4DB2-BD59-A6C34878D82A}">
-                    <a16:rowId xmlns:a16="http://schemas.microsoft.com/office/drawing/2014/main" xmlns:p="http://schemas.openxmlformats.org/presentationml/2006/main" xmlns:r="http://schemas.openxmlformats.org/officeDocument/2006/relationships" xmlns:a="http://schemas.openxmlformats.org/drawingml/2006/main" xmlns="" val="3867950529"/>
+                    <a16:rowId xmlns="" xmlns:a="http://schemas.openxmlformats.org/drawingml/2006/main" xmlns:r="http://schemas.openxmlformats.org/officeDocument/2006/relationships" xmlns:p="http://schemas.openxmlformats.org/presentationml/2006/main" xmlns:a16="http://schemas.microsoft.com/office/drawing/2014/main" xmlns:mv="urn:schemas-microsoft-com:mac:vml" xmlns:mc="http://schemas.openxmlformats.org/markup-compatibility/2006" val="3867950529"/>
                   </a:ext>
                 </a:extLst>
               </a:tr>
@@ -8868,7 +8898,7 @@
                 </a:tc>
                 <a:extLst>
                   <a:ext uri="{0D108BD9-81ED-4DB2-BD59-A6C34878D82A}">
-                    <a16:rowId xmlns:a16="http://schemas.microsoft.com/office/drawing/2014/main" xmlns:p="http://schemas.openxmlformats.org/presentationml/2006/main" xmlns:r="http://schemas.openxmlformats.org/officeDocument/2006/relationships" xmlns:a="http://schemas.openxmlformats.org/drawingml/2006/main" xmlns="" val="351337814"/>
+                    <a16:rowId xmlns="" xmlns:a="http://schemas.openxmlformats.org/drawingml/2006/main" xmlns:r="http://schemas.openxmlformats.org/officeDocument/2006/relationships" xmlns:p="http://schemas.openxmlformats.org/presentationml/2006/main" xmlns:a16="http://schemas.microsoft.com/office/drawing/2014/main" xmlns:mv="urn:schemas-microsoft-com:mac:vml" xmlns:mc="http://schemas.openxmlformats.org/markup-compatibility/2006" val="351337814"/>
                   </a:ext>
                 </a:extLst>
               </a:tr>
@@ -8967,7 +8997,7 @@
                 </a:tc>
                 <a:extLst>
                   <a:ext uri="{0D108BD9-81ED-4DB2-BD59-A6C34878D82A}">
-                    <a16:rowId xmlns:a16="http://schemas.microsoft.com/office/drawing/2014/main" xmlns:p="http://schemas.openxmlformats.org/presentationml/2006/main" xmlns:r="http://schemas.openxmlformats.org/officeDocument/2006/relationships" xmlns:a="http://schemas.openxmlformats.org/drawingml/2006/main" xmlns="" val="2195592954"/>
+                    <a16:rowId xmlns="" xmlns:a="http://schemas.openxmlformats.org/drawingml/2006/main" xmlns:r="http://schemas.openxmlformats.org/officeDocument/2006/relationships" xmlns:p="http://schemas.openxmlformats.org/presentationml/2006/main" xmlns:a16="http://schemas.microsoft.com/office/drawing/2014/main" xmlns:mv="urn:schemas-microsoft-com:mac:vml" xmlns:mc="http://schemas.openxmlformats.org/markup-compatibility/2006" val="2195592954"/>
                   </a:ext>
                 </a:extLst>
               </a:tr>
@@ -9066,7 +9096,7 @@
                 </a:tc>
                 <a:extLst>
                   <a:ext uri="{0D108BD9-81ED-4DB2-BD59-A6C34878D82A}">
-                    <a16:rowId xmlns:a16="http://schemas.microsoft.com/office/drawing/2014/main" xmlns:p="http://schemas.openxmlformats.org/presentationml/2006/main" xmlns:r="http://schemas.openxmlformats.org/officeDocument/2006/relationships" xmlns:a="http://schemas.openxmlformats.org/drawingml/2006/main" xmlns="" val="3382661717"/>
+                    <a16:rowId xmlns="" xmlns:a="http://schemas.openxmlformats.org/drawingml/2006/main" xmlns:r="http://schemas.openxmlformats.org/officeDocument/2006/relationships" xmlns:p="http://schemas.openxmlformats.org/presentationml/2006/main" xmlns:a16="http://schemas.microsoft.com/office/drawing/2014/main" xmlns:mv="urn:schemas-microsoft-com:mac:vml" xmlns:mc="http://schemas.openxmlformats.org/markup-compatibility/2006" val="3382661717"/>
                   </a:ext>
                 </a:extLst>
               </a:tr>
@@ -9177,7 +9207,7 @@
                 </a:tc>
                 <a:extLst>
                   <a:ext uri="{0D108BD9-81ED-4DB2-BD59-A6C34878D82A}">
-                    <a16:rowId xmlns:a16="http://schemas.microsoft.com/office/drawing/2014/main" xmlns:p="http://schemas.openxmlformats.org/presentationml/2006/main" xmlns:r="http://schemas.openxmlformats.org/officeDocument/2006/relationships" xmlns:a="http://schemas.openxmlformats.org/drawingml/2006/main" xmlns="" val="2516438583"/>
+                    <a16:rowId xmlns="" xmlns:a="http://schemas.openxmlformats.org/drawingml/2006/main" xmlns:r="http://schemas.openxmlformats.org/officeDocument/2006/relationships" xmlns:p="http://schemas.openxmlformats.org/presentationml/2006/main" xmlns:a16="http://schemas.microsoft.com/office/drawing/2014/main" xmlns:mv="urn:schemas-microsoft-com:mac:vml" xmlns:mc="http://schemas.openxmlformats.org/markup-compatibility/2006" val="2516438583"/>
                   </a:ext>
                 </a:extLst>
               </a:tr>
@@ -9276,7 +9306,7 @@
                 </a:tc>
                 <a:extLst>
                   <a:ext uri="{0D108BD9-81ED-4DB2-BD59-A6C34878D82A}">
-                    <a16:rowId xmlns:a16="http://schemas.microsoft.com/office/drawing/2014/main" xmlns:p="http://schemas.openxmlformats.org/presentationml/2006/main" xmlns:r="http://schemas.openxmlformats.org/officeDocument/2006/relationships" xmlns:a="http://schemas.openxmlformats.org/drawingml/2006/main" xmlns="" val="858655477"/>
+                    <a16:rowId xmlns="" xmlns:a="http://schemas.openxmlformats.org/drawingml/2006/main" xmlns:r="http://schemas.openxmlformats.org/officeDocument/2006/relationships" xmlns:p="http://schemas.openxmlformats.org/presentationml/2006/main" xmlns:a16="http://schemas.microsoft.com/office/drawing/2014/main" xmlns:mv="urn:schemas-microsoft-com:mac:vml" xmlns:mc="http://schemas.openxmlformats.org/markup-compatibility/2006" val="858655477"/>
                   </a:ext>
                 </a:extLst>
               </a:tr>
@@ -9289,7 +9319,7 @@
           <p:cNvPr id="8" name="Rectangle 7">
             <a:extLst>
               <a:ext uri="{FF2B5EF4-FFF2-40B4-BE49-F238E27FC236}">
-                <a16:creationId xmlns:a16="http://schemas.microsoft.com/office/drawing/2014/main" xmlns:p="http://schemas.openxmlformats.org/presentationml/2006/main" xmlns:r="http://schemas.openxmlformats.org/officeDocument/2006/relationships" xmlns:a="http://schemas.openxmlformats.org/drawingml/2006/main" xmlns="" id="{481E630F-BC22-DB46-9082-B004F9E1D456}"/>
+                <a16:creationId xmlns="" xmlns:a="http://schemas.openxmlformats.org/drawingml/2006/main" xmlns:r="http://schemas.openxmlformats.org/officeDocument/2006/relationships" xmlns:p="http://schemas.openxmlformats.org/presentationml/2006/main" xmlns:a16="http://schemas.microsoft.com/office/drawing/2014/main" xmlns:mv="urn:schemas-microsoft-com:mac:vml" xmlns:mc="http://schemas.openxmlformats.org/markup-compatibility/2006" id="{481E630F-BC22-DB46-9082-B004F9E1D456}"/>
               </a:ext>
             </a:extLst>
           </p:cNvPr>
@@ -9341,7 +9371,7 @@
           <p:cNvPr id="9" name="Rectangle 8">
             <a:extLst>
               <a:ext uri="{FF2B5EF4-FFF2-40B4-BE49-F238E27FC236}">
-                <a16:creationId xmlns:a16="http://schemas.microsoft.com/office/drawing/2014/main" xmlns:p="http://schemas.openxmlformats.org/presentationml/2006/main" xmlns:r="http://schemas.openxmlformats.org/officeDocument/2006/relationships" xmlns:a="http://schemas.openxmlformats.org/drawingml/2006/main" xmlns="" id="{22136C33-4301-3047-AB81-32A3287D8347}"/>
+                <a16:creationId xmlns="" xmlns:a="http://schemas.openxmlformats.org/drawingml/2006/main" xmlns:r="http://schemas.openxmlformats.org/officeDocument/2006/relationships" xmlns:p="http://schemas.openxmlformats.org/presentationml/2006/main" xmlns:a16="http://schemas.microsoft.com/office/drawing/2014/main" xmlns:mv="urn:schemas-microsoft-com:mac:vml" xmlns:mc="http://schemas.openxmlformats.org/markup-compatibility/2006" id="{22136C33-4301-3047-AB81-32A3287D8347}"/>
               </a:ext>
             </a:extLst>
           </p:cNvPr>
@@ -9391,7 +9421,7 @@
     </p:spTree>
     <p:extLst>
       <p:ext uri="{BB962C8B-B14F-4D97-AF65-F5344CB8AC3E}">
-        <p14:creationId xmlns:p14="http://schemas.microsoft.com/office/powerpoint/2010/main" xmlns:p="http://schemas.openxmlformats.org/presentationml/2006/main" xmlns:r="http://schemas.openxmlformats.org/officeDocument/2006/relationships" xmlns:a="http://schemas.openxmlformats.org/drawingml/2006/main" xmlns="" val="4221090271"/>
+        <p14:creationId xmlns="" xmlns:a="http://schemas.openxmlformats.org/drawingml/2006/main" xmlns:r="http://schemas.openxmlformats.org/officeDocument/2006/relationships" xmlns:p="http://schemas.openxmlformats.org/presentationml/2006/main" xmlns:p14="http://schemas.microsoft.com/office/powerpoint/2010/main" xmlns:mv="urn:schemas-microsoft-com:mac:vml" xmlns:mc="http://schemas.openxmlformats.org/markup-compatibility/2006" val="4221090271"/>
       </p:ext>
     </p:extLst>
   </p:cSld>
@@ -11962,7 +11992,7 @@
           <p:cNvPr id="4" name="Chart 3">
             <a:extLst>
               <a:ext uri="{FF2B5EF4-FFF2-40B4-BE49-F238E27FC236}">
-                <a16:creationId xmlns="" xmlns:xdr="http://schemas.openxmlformats.org/drawingml/2006/spreadsheetDrawing" xmlns:a="http://schemas.openxmlformats.org/drawingml/2006/main" xmlns:a16="http://schemas.microsoft.com/office/drawing/2014/main" xmlns:lc="http://schemas.openxmlformats.org/drawingml/2006/lockedCanvas" id="{00000000-0008-0000-0000-000006000000}"/>
+                <a16:creationId xmlns:lc="http://schemas.openxmlformats.org/drawingml/2006/lockedCanvas" xmlns:a16="http://schemas.microsoft.com/office/drawing/2014/main" xmlns:a="http://schemas.openxmlformats.org/drawingml/2006/main" xmlns:xdr="http://schemas.openxmlformats.org/drawingml/2006/spreadsheetDrawing" xmlns="" xmlns:p="http://schemas.openxmlformats.org/presentationml/2006/main" xmlns:mv="urn:schemas-microsoft-com:mac:vml" xmlns:mc="http://schemas.openxmlformats.org/markup-compatibility/2006" xmlns:r="http://schemas.openxmlformats.org/officeDocument/2006/relationships" id="{00000000-0008-0000-0000-000006000000}"/>
               </a:ext>
             </a:extLst>
           </p:cNvPr>
@@ -12032,7 +12062,7 @@
           <p:cNvPr id="4" name="Chart 3">
             <a:extLst>
               <a:ext uri="{FF2B5EF4-FFF2-40B4-BE49-F238E27FC236}">
-                <a16:creationId xmlns="" xmlns:xdr="http://schemas.openxmlformats.org/drawingml/2006/spreadsheetDrawing" xmlns:a="http://schemas.openxmlformats.org/drawingml/2006/main" xmlns:a16="http://schemas.microsoft.com/office/drawing/2014/main" xmlns:lc="http://schemas.openxmlformats.org/drawingml/2006/lockedCanvas" id="{00000000-0008-0000-0000-000005000000}"/>
+                <a16:creationId xmlns:lc="http://schemas.openxmlformats.org/drawingml/2006/lockedCanvas" xmlns:a16="http://schemas.microsoft.com/office/drawing/2014/main" xmlns:a="http://schemas.openxmlformats.org/drawingml/2006/main" xmlns:xdr="http://schemas.openxmlformats.org/drawingml/2006/spreadsheetDrawing" xmlns="" xmlns:p="http://schemas.openxmlformats.org/presentationml/2006/main" xmlns:mv="urn:schemas-microsoft-com:mac:vml" xmlns:mc="http://schemas.openxmlformats.org/markup-compatibility/2006" xmlns:r="http://schemas.openxmlformats.org/officeDocument/2006/relationships" id="{00000000-0008-0000-0000-000005000000}"/>
               </a:ext>
             </a:extLst>
           </p:cNvPr>
